--- a/2-课堂汇报/第四周汇报_麦梓健.pptx
+++ b/2-课堂汇报/第四周汇报_麦梓健.pptx
@@ -7,7 +7,7 @@
     <p:sldMasterId id="2147483710" r:id="rId3"/>
   </p:sldMasterIdLst>
   <p:notesMasterIdLst>
-    <p:notesMasterId r:id="rId20"/>
+    <p:notesMasterId r:id="rId23"/>
   </p:notesMasterIdLst>
   <p:sldIdLst>
     <p:sldId id="7573" r:id="rId4"/>
@@ -23,14 +23,17 @@
     <p:sldId id="7603" r:id="rId14"/>
     <p:sldId id="7599" r:id="rId15"/>
     <p:sldId id="7616" r:id="rId16"/>
-    <p:sldId id="7619" r:id="rId17"/>
-    <p:sldId id="7625" r:id="rId18"/>
-    <p:sldId id="7602" r:id="rId19"/>
+    <p:sldId id="7626" r:id="rId17"/>
+    <p:sldId id="7619" r:id="rId18"/>
+    <p:sldId id="7627" r:id="rId19"/>
+    <p:sldId id="7625" r:id="rId20"/>
+    <p:sldId id="7628" r:id="rId21"/>
+    <p:sldId id="7602" r:id="rId22"/>
   </p:sldIdLst>
   <p:sldSz cx="12188825" cy="6858000"/>
   <p:notesSz cx="6858000" cy="9144000"/>
   <p:custDataLst>
-    <p:tags r:id="rId21"/>
+    <p:tags r:id="rId24"/>
   </p:custDataLst>
   <p:defaultTextStyle>
     <a:defPPr>
@@ -11746,7 +11749,7 @@
           <a:p>
             <a:fld id="{D0B8C3C3-31A8-453D-A20D-411C6C37285D}" type="datetimeFigureOut">
               <a:rPr lang="zh-CN" altLang="en-US" smtClean="0"/>
-              <a:t>2020/3/25</a:t>
+              <a:t>2020/3/27</a:t>
             </a:fld>
             <a:endParaRPr lang="zh-CN" altLang="en-US"/>
           </a:p>
@@ -12423,7 +12426,7 @@
     </p:spTree>
     <p:extLst>
       <p:ext uri="{BB962C8B-B14F-4D97-AF65-F5344CB8AC3E}">
-        <p14:creationId xmlns:p14="http://schemas.microsoft.com/office/powerpoint/2010/main" val="168947407"/>
+        <p14:creationId xmlns:p14="http://schemas.microsoft.com/office/powerpoint/2010/main" val="2174137369"/>
       </p:ext>
     </p:extLst>
   </p:cSld>
@@ -12507,7 +12510,7 @@
     </p:spTree>
     <p:extLst>
       <p:ext uri="{BB962C8B-B14F-4D97-AF65-F5344CB8AC3E}">
-        <p14:creationId xmlns:p14="http://schemas.microsoft.com/office/powerpoint/2010/main" val="2462274297"/>
+        <p14:creationId xmlns:p14="http://schemas.microsoft.com/office/powerpoint/2010/main" val="228682808"/>
       </p:ext>
     </p:extLst>
   </p:cSld>
@@ -12582,7 +12585,175 @@
           <a:p>
             <a:fld id="{58998766-6A9C-4F2F-8D78-A8B7F422C2B3}" type="slidenum">
               <a:rPr lang="zh-CN" altLang="en-US" smtClean="0"/>
+              <a:t>15</a:t>
+            </a:fld>
+            <a:endParaRPr lang="zh-CN" altLang="en-US"/>
+          </a:p>
+        </p:txBody>
+      </p:sp>
+    </p:spTree>
+    <p:extLst>
+      <p:ext uri="{BB962C8B-B14F-4D97-AF65-F5344CB8AC3E}">
+        <p14:creationId xmlns:p14="http://schemas.microsoft.com/office/powerpoint/2010/main" val="2462274297"/>
+      </p:ext>
+    </p:extLst>
+  </p:cSld>
+  <p:clrMapOvr>
+    <a:masterClrMapping/>
+  </p:clrMapOvr>
+</p:notes>
+</file>
+
+<file path=ppt/notesSlides/notesSlide16.xml><?xml version="1.0" encoding="utf-8"?>
+<p:notes xmlns:a="http://schemas.openxmlformats.org/drawingml/2006/main" xmlns:r="http://schemas.openxmlformats.org/officeDocument/2006/relationships" xmlns:p="http://schemas.openxmlformats.org/presentationml/2006/main">
+  <p:cSld>
+    <p:spTree>
+      <p:nvGrpSpPr>
+        <p:cNvPr id="1" name=""/>
+        <p:cNvGrpSpPr/>
+        <p:nvPr/>
+      </p:nvGrpSpPr>
+      <p:grpSpPr>
+        <a:xfrm>
+          <a:off x="0" y="0"/>
+          <a:ext cx="0" cy="0"/>
+          <a:chOff x="0" y="0"/>
+          <a:chExt cx="0" cy="0"/>
+        </a:xfrm>
+      </p:grpSpPr>
+      <p:sp>
+        <p:nvSpPr>
+          <p:cNvPr id="2" name="幻灯片图像占位符 1"/>
+          <p:cNvSpPr>
+            <a:spLocks noGrp="1" noRot="1" noChangeAspect="1"/>
+          </p:cNvSpPr>
+          <p:nvPr>
+            <p:ph type="sldImg"/>
+          </p:nvPr>
+        </p:nvSpPr>
+        <p:spPr/>
+      </p:sp>
+      <p:sp>
+        <p:nvSpPr>
+          <p:cNvPr id="3" name="备注占位符 2"/>
+          <p:cNvSpPr>
+            <a:spLocks noGrp="1"/>
+          </p:cNvSpPr>
+          <p:nvPr>
+            <p:ph type="body" idx="1"/>
+          </p:nvPr>
+        </p:nvSpPr>
+        <p:spPr/>
+        <p:txBody>
+          <a:bodyPr/>
+          <a:lstStyle/>
+          <a:p>
+            <a:endParaRPr lang="zh-CN" altLang="en-US"/>
+          </a:p>
+        </p:txBody>
+      </p:sp>
+      <p:sp>
+        <p:nvSpPr>
+          <p:cNvPr id="4" name="灯片编号占位符 3"/>
+          <p:cNvSpPr>
+            <a:spLocks noGrp="1"/>
+          </p:cNvSpPr>
+          <p:nvPr>
+            <p:ph type="sldNum" sz="quarter" idx="5"/>
+          </p:nvPr>
+        </p:nvSpPr>
+        <p:spPr/>
+        <p:txBody>
+          <a:bodyPr/>
+          <a:lstStyle/>
+          <a:p>
+            <a:fld id="{58998766-6A9C-4F2F-8D78-A8B7F422C2B3}" type="slidenum">
+              <a:rPr lang="zh-CN" altLang="en-US" smtClean="0"/>
               <a:t>16</a:t>
+            </a:fld>
+            <a:endParaRPr lang="zh-CN" altLang="en-US"/>
+          </a:p>
+        </p:txBody>
+      </p:sp>
+    </p:spTree>
+    <p:extLst>
+      <p:ext uri="{BB962C8B-B14F-4D97-AF65-F5344CB8AC3E}">
+        <p14:creationId xmlns:p14="http://schemas.microsoft.com/office/powerpoint/2010/main" val="209776502"/>
+      </p:ext>
+    </p:extLst>
+  </p:cSld>
+  <p:clrMapOvr>
+    <a:masterClrMapping/>
+  </p:clrMapOvr>
+</p:notes>
+</file>
+
+<file path=ppt/notesSlides/notesSlide17.xml><?xml version="1.0" encoding="utf-8"?>
+<p:notes xmlns:a="http://schemas.openxmlformats.org/drawingml/2006/main" xmlns:r="http://schemas.openxmlformats.org/officeDocument/2006/relationships" xmlns:p="http://schemas.openxmlformats.org/presentationml/2006/main">
+  <p:cSld>
+    <p:spTree>
+      <p:nvGrpSpPr>
+        <p:cNvPr id="1" name=""/>
+        <p:cNvGrpSpPr/>
+        <p:nvPr/>
+      </p:nvGrpSpPr>
+      <p:grpSpPr>
+        <a:xfrm>
+          <a:off x="0" y="0"/>
+          <a:ext cx="0" cy="0"/>
+          <a:chOff x="0" y="0"/>
+          <a:chExt cx="0" cy="0"/>
+        </a:xfrm>
+      </p:grpSpPr>
+      <p:sp>
+        <p:nvSpPr>
+          <p:cNvPr id="2" name="幻灯片图像占位符 1"/>
+          <p:cNvSpPr>
+            <a:spLocks noGrp="1" noRot="1" noChangeAspect="1"/>
+          </p:cNvSpPr>
+          <p:nvPr>
+            <p:ph type="sldImg"/>
+          </p:nvPr>
+        </p:nvSpPr>
+        <p:spPr/>
+      </p:sp>
+      <p:sp>
+        <p:nvSpPr>
+          <p:cNvPr id="3" name="备注占位符 2"/>
+          <p:cNvSpPr>
+            <a:spLocks noGrp="1"/>
+          </p:cNvSpPr>
+          <p:nvPr>
+            <p:ph type="body" idx="1"/>
+          </p:nvPr>
+        </p:nvSpPr>
+        <p:spPr/>
+        <p:txBody>
+          <a:bodyPr/>
+          <a:lstStyle/>
+          <a:p>
+            <a:endParaRPr lang="zh-CN" altLang="en-US"/>
+          </a:p>
+        </p:txBody>
+      </p:sp>
+      <p:sp>
+        <p:nvSpPr>
+          <p:cNvPr id="4" name="灯片编号占位符 3"/>
+          <p:cNvSpPr>
+            <a:spLocks noGrp="1"/>
+          </p:cNvSpPr>
+          <p:nvPr>
+            <p:ph type="sldNum" sz="quarter" idx="5"/>
+          </p:nvPr>
+        </p:nvSpPr>
+        <p:spPr/>
+        <p:txBody>
+          <a:bodyPr/>
+          <a:lstStyle/>
+          <a:p>
+            <a:fld id="{58998766-6A9C-4F2F-8D78-A8B7F422C2B3}" type="slidenum">
+              <a:rPr lang="zh-CN" altLang="en-US" smtClean="0"/>
+              <a:t>19</a:t>
             </a:fld>
             <a:endParaRPr lang="zh-CN" altLang="en-US"/>
           </a:p>
@@ -12813,20 +12984,7 @@
           <a:bodyPr/>
           <a:lstStyle/>
           <a:p>
-            <a:r>
-              <a:rPr lang="en-US" altLang="zh-CN" dirty="0">
-                <a:hlinkClick r:id="rId3"/>
-              </a:rPr>
-              <a:t>http://www.sohu.com/a/283505320_100269170</a:t>
-            </a:r>
-            <a:r>
-              <a:rPr lang="en-US" altLang="zh-CN" dirty="0"/>
-              <a:t> </a:t>
-            </a:r>
-            <a:r>
-              <a:rPr lang="zh-CN" altLang="en-US" dirty="0"/>
-              <a:t>谷歌机械臂</a:t>
-            </a:r>
+            <a:endParaRPr lang="zh-CN" altLang="en-US" dirty="0"/>
           </a:p>
         </p:txBody>
       </p:sp>
@@ -12910,20 +13068,7 @@
           <a:bodyPr/>
           <a:lstStyle/>
           <a:p>
-            <a:r>
-              <a:rPr lang="en-US" altLang="zh-CN" dirty="0">
-                <a:hlinkClick r:id="rId3"/>
-              </a:rPr>
-              <a:t>http://www.sohu.com/a/283505320_100269170</a:t>
-            </a:r>
-            <a:r>
-              <a:rPr lang="en-US" altLang="zh-CN" dirty="0"/>
-              <a:t> </a:t>
-            </a:r>
-            <a:r>
-              <a:rPr lang="zh-CN" altLang="en-US" dirty="0"/>
-              <a:t>谷歌机械臂</a:t>
-            </a:r>
+            <a:endParaRPr lang="zh-CN" altLang="en-US" dirty="0"/>
           </a:p>
         </p:txBody>
       </p:sp>
@@ -13175,20 +13320,7 @@
           <a:bodyPr/>
           <a:lstStyle/>
           <a:p>
-            <a:r>
-              <a:rPr lang="en-US" altLang="zh-CN" dirty="0">
-                <a:hlinkClick r:id="rId3"/>
-              </a:rPr>
-              <a:t>http://www.sohu.com/a/283505320_100269170</a:t>
-            </a:r>
-            <a:r>
-              <a:rPr lang="en-US" altLang="zh-CN" dirty="0"/>
-              <a:t> </a:t>
-            </a:r>
-            <a:r>
-              <a:rPr lang="zh-CN" altLang="en-US" dirty="0"/>
-              <a:t>谷歌机械臂</a:t>
-            </a:r>
+            <a:endParaRPr lang="zh-CN" altLang="en-US" dirty="0"/>
           </a:p>
         </p:txBody>
       </p:sp>
@@ -14129,7 +14261,7 @@
           <a:p>
             <a:fld id="{0FC304BD-32ED-4569-95E0-79139CDFBD25}" type="datetimeFigureOut">
               <a:rPr lang="zh-CN" altLang="en-US" smtClean="0"/>
-              <a:t>2020/3/25</a:t>
+              <a:t>2020/3/27</a:t>
             </a:fld>
             <a:endParaRPr lang="zh-CN" altLang="en-US"/>
           </a:p>
@@ -14307,7 +14439,7 @@
           <a:p>
             <a:fld id="{0FC304BD-32ED-4569-95E0-79139CDFBD25}" type="datetimeFigureOut">
               <a:rPr lang="zh-CN" altLang="en-US" smtClean="0"/>
-              <a:t>2020/3/25</a:t>
+              <a:t>2020/3/27</a:t>
             </a:fld>
             <a:endParaRPr lang="zh-CN" altLang="en-US"/>
           </a:p>
@@ -14561,7 +14693,7 @@
           <a:p>
             <a:fld id="{0FC304BD-32ED-4569-95E0-79139CDFBD25}" type="datetimeFigureOut">
               <a:rPr lang="zh-CN" altLang="en-US" smtClean="0"/>
-              <a:t>2020/3/25</a:t>
+              <a:t>2020/3/27</a:t>
             </a:fld>
             <a:endParaRPr lang="zh-CN" altLang="en-US"/>
           </a:p>
@@ -14834,7 +14966,7 @@
           <a:p>
             <a:fld id="{0FC304BD-32ED-4569-95E0-79139CDFBD25}" type="datetimeFigureOut">
               <a:rPr lang="zh-CN" altLang="en-US" smtClean="0"/>
-              <a:t>2020/3/25</a:t>
+              <a:t>2020/3/27</a:t>
             </a:fld>
             <a:endParaRPr lang="zh-CN" altLang="en-US"/>
           </a:p>
@@ -15209,7 +15341,7 @@
           <a:p>
             <a:fld id="{0FC304BD-32ED-4569-95E0-79139CDFBD25}" type="datetimeFigureOut">
               <a:rPr lang="zh-CN" altLang="en-US" smtClean="0"/>
-              <a:t>2020/3/25</a:t>
+              <a:t>2020/3/27</a:t>
             </a:fld>
             <a:endParaRPr lang="zh-CN" altLang="en-US"/>
           </a:p>
@@ -15335,7 +15467,7 @@
           <a:p>
             <a:fld id="{0FC304BD-32ED-4569-95E0-79139CDFBD25}" type="datetimeFigureOut">
               <a:rPr lang="zh-CN" altLang="en-US" smtClean="0"/>
-              <a:t>2020/3/25</a:t>
+              <a:t>2020/3/27</a:t>
             </a:fld>
             <a:endParaRPr lang="zh-CN" altLang="en-US"/>
           </a:p>
@@ -15438,7 +15570,7 @@
           <a:p>
             <a:fld id="{0FC304BD-32ED-4569-95E0-79139CDFBD25}" type="datetimeFigureOut">
               <a:rPr lang="zh-CN" altLang="en-US" smtClean="0"/>
-              <a:t>2020/3/25</a:t>
+              <a:t>2020/3/27</a:t>
             </a:fld>
             <a:endParaRPr lang="zh-CN" altLang="en-US"/>
           </a:p>
@@ -15723,7 +15855,7 @@
           <a:p>
             <a:fld id="{0FC304BD-32ED-4569-95E0-79139CDFBD25}" type="datetimeFigureOut">
               <a:rPr lang="zh-CN" altLang="en-US" smtClean="0"/>
-              <a:t>2020/3/25</a:t>
+              <a:t>2020/3/27</a:t>
             </a:fld>
             <a:endParaRPr lang="zh-CN" altLang="en-US"/>
           </a:p>
@@ -15988,7 +16120,7 @@
           <a:p>
             <a:fld id="{0FC304BD-32ED-4569-95E0-79139CDFBD25}" type="datetimeFigureOut">
               <a:rPr lang="zh-CN" altLang="en-US" smtClean="0"/>
-              <a:t>2020/3/25</a:t>
+              <a:t>2020/3/27</a:t>
             </a:fld>
             <a:endParaRPr lang="zh-CN" altLang="en-US"/>
           </a:p>
@@ -16166,7 +16298,7 @@
           <a:p>
             <a:fld id="{0FC304BD-32ED-4569-95E0-79139CDFBD25}" type="datetimeFigureOut">
               <a:rPr lang="zh-CN" altLang="en-US" smtClean="0"/>
-              <a:t>2020/3/25</a:t>
+              <a:t>2020/3/27</a:t>
             </a:fld>
             <a:endParaRPr lang="zh-CN" altLang="en-US"/>
           </a:p>
@@ -16354,7 +16486,7 @@
           <a:p>
             <a:fld id="{0FC304BD-32ED-4569-95E0-79139CDFBD25}" type="datetimeFigureOut">
               <a:rPr lang="zh-CN" altLang="en-US" smtClean="0"/>
-              <a:t>2020/3/25</a:t>
+              <a:t>2020/3/27</a:t>
             </a:fld>
             <a:endParaRPr lang="zh-CN" altLang="en-US"/>
           </a:p>
@@ -18562,7 +18694,7 @@
           <a:p>
             <a:fld id="{0FC304BD-32ED-4569-95E0-79139CDFBD25}" type="datetimeFigureOut">
               <a:rPr lang="zh-CN" altLang="en-US" smtClean="0"/>
-              <a:t>2020/3/25</a:t>
+              <a:t>2020/3/27</a:t>
             </a:fld>
             <a:endParaRPr lang="zh-CN" altLang="en-US"/>
           </a:p>
@@ -19454,8 +19586,8 @@
         </p:nvSpPr>
         <p:spPr>
           <a:xfrm>
-            <a:off x="2078474" y="2609215"/>
-            <a:ext cx="6962155" cy="646331"/>
+            <a:off x="2533709" y="2891445"/>
+            <a:ext cx="6465083" cy="646331"/>
           </a:xfrm>
           <a:prstGeom prst="rect">
             <a:avLst/>
@@ -19472,11 +19604,32 @@
               <a:defRPr/>
             </a:pPr>
             <a:r>
+              <a:rPr lang="en-US" altLang="zh-CN" sz="3600" dirty="0" err="1">
+                <a:latin typeface="Microsoft YaHei" panose="020B0503020204020204" pitchFamily="34" charset="-122"/>
+                <a:ea typeface="Microsoft YaHei" panose="020B0503020204020204" pitchFamily="34" charset="-122"/>
+              </a:rPr>
+              <a:t>Gitea</a:t>
+            </a:r>
+            <a:r>
               <a:rPr lang="zh-CN" altLang="en-US" sz="3600" dirty="0">
                 <a:latin typeface="Microsoft YaHei" panose="020B0503020204020204" pitchFamily="34" charset="-122"/>
                 <a:ea typeface="Microsoft YaHei" panose="020B0503020204020204" pitchFamily="34" charset="-122"/>
               </a:rPr>
-              <a:t>               第四周交流汇报</a:t>
+              <a:t>需求分析及实验</a:t>
+            </a:r>
+            <a:r>
+              <a:rPr lang="en-US" altLang="zh-CN" sz="3600" dirty="0">
+                <a:latin typeface="Microsoft YaHei" panose="020B0503020204020204" pitchFamily="34" charset="-122"/>
+                <a:ea typeface="Microsoft YaHei" panose="020B0503020204020204" pitchFamily="34" charset="-122"/>
+              </a:rPr>
+              <a:t>6-8</a:t>
+            </a:r>
+            <a:r>
+              <a:rPr lang="zh-CN" altLang="en-US" sz="3600" dirty="0">
+                <a:latin typeface="Microsoft YaHei" panose="020B0503020204020204" pitchFamily="34" charset="-122"/>
+                <a:ea typeface="Microsoft YaHei" panose="020B0503020204020204" pitchFamily="34" charset="-122"/>
+              </a:rPr>
+              <a:t>安排</a:t>
             </a:r>
             <a:endParaRPr lang="en-US" altLang="zh-CN" sz="3600" dirty="0">
               <a:latin typeface="Microsoft YaHei" panose="020B0503020204020204" pitchFamily="34" charset="-122"/>
@@ -19546,6 +19699,50 @@
               <a:t>             孙维华 洪治凑 </a:t>
             </a:r>
             <a:endParaRPr kumimoji="1" lang="en-US" altLang="zh-CN" dirty="0"/>
+          </a:p>
+        </p:txBody>
+      </p:sp>
+      <p:sp>
+        <p:nvSpPr>
+          <p:cNvPr id="4" name="矩形 3">
+            <a:extLst>
+              <a:ext uri="{FF2B5EF4-FFF2-40B4-BE49-F238E27FC236}">
+                <a16:creationId xmlns:a16="http://schemas.microsoft.com/office/drawing/2014/main" id="{EAE3973F-DC40-E04F-A194-8F20E3E497E7}"/>
+              </a:ext>
+            </a:extLst>
+          </p:cNvPr>
+          <p:cNvSpPr/>
+          <p:nvPr/>
+        </p:nvSpPr>
+        <p:spPr>
+          <a:xfrm>
+            <a:off x="1829778" y="2501883"/>
+            <a:ext cx="2031325" cy="369332"/>
+          </a:xfrm>
+          <a:prstGeom prst="rect">
+            <a:avLst/>
+          </a:prstGeom>
+        </p:spPr>
+        <p:txBody>
+          <a:bodyPr wrap="none">
+            <a:spAutoFit/>
+          </a:bodyPr>
+          <a:lstStyle/>
+          <a:p>
+            <a:pPr defTabSz="913491">
+              <a:defRPr/>
+            </a:pPr>
+            <a:r>
+              <a:rPr lang="zh-CN" altLang="en-US" dirty="0">
+                <a:latin typeface="Microsoft YaHei" panose="020B0503020204020204" pitchFamily="34" charset="-122"/>
+                <a:ea typeface="Microsoft YaHei" panose="020B0503020204020204" pitchFamily="34" charset="-122"/>
+              </a:rPr>
+              <a:t>第四周交流汇报：</a:t>
+            </a:r>
+            <a:endParaRPr lang="en-US" altLang="zh-CN" dirty="0">
+              <a:latin typeface="Microsoft YaHei" panose="020B0503020204020204" pitchFamily="34" charset="-122"/>
+              <a:ea typeface="Microsoft YaHei" panose="020B0503020204020204" pitchFamily="34" charset="-122"/>
+            </a:endParaRPr>
           </a:p>
         </p:txBody>
       </p:sp>
@@ -22222,10 +22419,114 @@
           </a:p>
         </p:txBody>
       </p:sp>
+      <p:pic>
+        <p:nvPicPr>
+          <p:cNvPr id="4" name="图片 3">
+            <a:extLst>
+              <a:ext uri="{FF2B5EF4-FFF2-40B4-BE49-F238E27FC236}">
+                <a16:creationId xmlns:a16="http://schemas.microsoft.com/office/drawing/2014/main" id="{B3F6F382-1379-6A4F-9A45-938DE0FCB40C}"/>
+              </a:ext>
+            </a:extLst>
+          </p:cNvPr>
+          <p:cNvPicPr>
+            <a:picLocks noChangeAspect="1"/>
+          </p:cNvPicPr>
+          <p:nvPr/>
+        </p:nvPicPr>
+        <p:blipFill rotWithShape="1">
+          <a:blip r:embed="rId3">
+            <a:extLst>
+              <a:ext uri="{28A0092B-C50C-407E-A947-70E740481C1C}">
+                <a14:useLocalDpi xmlns:a14="http://schemas.microsoft.com/office/drawing/2010/main" val="0"/>
+              </a:ext>
+            </a:extLst>
+          </a:blip>
+          <a:srcRect b="20803"/>
+          <a:stretch/>
+        </p:blipFill>
+        <p:spPr>
+          <a:xfrm>
+            <a:off x="298730" y="1211998"/>
+            <a:ext cx="11591364" cy="4434003"/>
+          </a:xfrm>
+          <a:prstGeom prst="rect">
+            <a:avLst/>
+          </a:prstGeom>
+        </p:spPr>
+      </p:pic>
+      <p:sp>
+        <p:nvSpPr>
+          <p:cNvPr id="5" name="文本框 4">
+            <a:extLst>
+              <a:ext uri="{FF2B5EF4-FFF2-40B4-BE49-F238E27FC236}">
+                <a16:creationId xmlns:a16="http://schemas.microsoft.com/office/drawing/2014/main" id="{888CFB97-EE69-3E48-821E-274FD5DC05A5}"/>
+              </a:ext>
+            </a:extLst>
+          </p:cNvPr>
+          <p:cNvSpPr txBox="1"/>
+          <p:nvPr/>
+        </p:nvSpPr>
+        <p:spPr>
+          <a:xfrm>
+            <a:off x="4794934" y="5831863"/>
+            <a:ext cx="2598956" cy="296171"/>
+          </a:xfrm>
+          <a:prstGeom prst="rect">
+            <a:avLst/>
+          </a:prstGeom>
+          <a:noFill/>
+        </p:spPr>
+        <p:txBody>
+          <a:bodyPr wrap="square" rtlCol="0" anchor="ctr">
+            <a:spAutoFit/>
+          </a:bodyPr>
+          <a:lstStyle/>
+          <a:p>
+            <a:pPr>
+              <a:lnSpc>
+                <a:spcPct val="120000"/>
+              </a:lnSpc>
+            </a:pPr>
+            <a:r>
+              <a:rPr kumimoji="1" lang="zh-CN" altLang="en-US" sz="1200" dirty="0">
+                <a:solidFill>
+                  <a:schemeClr val="tx1">
+                    <a:lumMod val="75000"/>
+                    <a:lumOff val="25000"/>
+                  </a:schemeClr>
+                </a:solidFill>
+              </a:rPr>
+              <a:t>图</a:t>
+            </a:r>
+            <a:r>
+              <a:rPr kumimoji="1" lang="en-US" altLang="zh-CN" sz="1200" dirty="0">
+                <a:solidFill>
+                  <a:schemeClr val="tx1">
+                    <a:lumMod val="75000"/>
+                    <a:lumOff val="25000"/>
+                  </a:schemeClr>
+                </a:solidFill>
+              </a:rPr>
+              <a:t>5</a:t>
+            </a:r>
+            <a:r>
+              <a:rPr kumimoji="1" lang="zh-CN" altLang="en-US" sz="1200" dirty="0">
+                <a:solidFill>
+                  <a:schemeClr val="tx1">
+                    <a:lumMod val="75000"/>
+                    <a:lumOff val="25000"/>
+                  </a:schemeClr>
+                </a:solidFill>
+              </a:rPr>
+              <a:t> 项目规划进度：前期准备</a:t>
+            </a:r>
+          </a:p>
+        </p:txBody>
+      </p:sp>
     </p:spTree>
     <p:extLst>
       <p:ext uri="{BB962C8B-B14F-4D97-AF65-F5344CB8AC3E}">
-        <p14:creationId xmlns:p14="http://schemas.microsoft.com/office/powerpoint/2010/main" val="3328991659"/>
+        <p14:creationId xmlns:p14="http://schemas.microsoft.com/office/powerpoint/2010/main" val="2018243763"/>
       </p:ext>
     </p:extLst>
   </p:cSld>
@@ -22244,6 +22545,192 @@
 </file>
 
 <file path=ppt/slides/slide14.xml><?xml version="1.0" encoding="utf-8"?>
+<p:sld xmlns:a="http://schemas.openxmlformats.org/drawingml/2006/main" xmlns:r="http://schemas.openxmlformats.org/officeDocument/2006/relationships" xmlns:p="http://schemas.openxmlformats.org/presentationml/2006/main">
+  <p:cSld>
+    <p:spTree>
+      <p:nvGrpSpPr>
+        <p:cNvPr id="1" name=""/>
+        <p:cNvGrpSpPr/>
+        <p:nvPr/>
+      </p:nvGrpSpPr>
+      <p:grpSpPr>
+        <a:xfrm>
+          <a:off x="0" y="0"/>
+          <a:ext cx="0" cy="0"/>
+          <a:chOff x="0" y="0"/>
+          <a:chExt cx="0" cy="0"/>
+        </a:xfrm>
+      </p:grpSpPr>
+      <p:sp>
+        <p:nvSpPr>
+          <p:cNvPr id="2" name="矩形 1">
+            <a:extLst>
+              <a:ext uri="{FF2B5EF4-FFF2-40B4-BE49-F238E27FC236}">
+                <a16:creationId xmlns:a16="http://schemas.microsoft.com/office/drawing/2014/main" id="{17F95F54-1438-E04E-B9A4-6AD9A6CF2F75}"/>
+              </a:ext>
+            </a:extLst>
+          </p:cNvPr>
+          <p:cNvSpPr/>
+          <p:nvPr/>
+        </p:nvSpPr>
+        <p:spPr>
+          <a:xfrm>
+            <a:off x="1089213" y="354830"/>
+            <a:ext cx="1748116" cy="523220"/>
+          </a:xfrm>
+          <a:prstGeom prst="rect">
+            <a:avLst/>
+          </a:prstGeom>
+        </p:spPr>
+        <p:txBody>
+          <a:bodyPr wrap="square">
+            <a:spAutoFit/>
+          </a:bodyPr>
+          <a:lstStyle/>
+          <a:p>
+            <a:pPr algn="dist"/>
+            <a:r>
+              <a:rPr lang="zh-CN" altLang="en-US" sz="2800" b="1" dirty="0">
+                <a:solidFill>
+                  <a:srgbClr val="93C3C2"/>
+                </a:solidFill>
+                <a:latin typeface="Arial" panose="020B0604020202020204" pitchFamily="34" charset="0"/>
+                <a:ea typeface="思源黑体 CN Regular" panose="020B0500000000000000" pitchFamily="34" charset="-122"/>
+                <a:cs typeface="+mn-ea"/>
+                <a:sym typeface="Arial" panose="020B0604020202020204" pitchFamily="34" charset="0"/>
+              </a:rPr>
+              <a:t>实验六</a:t>
+            </a:r>
+          </a:p>
+        </p:txBody>
+      </p:sp>
+      <p:sp>
+        <p:nvSpPr>
+          <p:cNvPr id="5" name="文本框 4">
+            <a:extLst>
+              <a:ext uri="{FF2B5EF4-FFF2-40B4-BE49-F238E27FC236}">
+                <a16:creationId xmlns:a16="http://schemas.microsoft.com/office/drawing/2014/main" id="{888CFB97-EE69-3E48-821E-274FD5DC05A5}"/>
+              </a:ext>
+            </a:extLst>
+          </p:cNvPr>
+          <p:cNvSpPr txBox="1"/>
+          <p:nvPr/>
+        </p:nvSpPr>
+        <p:spPr>
+          <a:xfrm>
+            <a:off x="4687355" y="6085107"/>
+            <a:ext cx="2814109" cy="296171"/>
+          </a:xfrm>
+          <a:prstGeom prst="rect">
+            <a:avLst/>
+          </a:prstGeom>
+          <a:noFill/>
+        </p:spPr>
+        <p:txBody>
+          <a:bodyPr wrap="square" rtlCol="0" anchor="ctr">
+            <a:spAutoFit/>
+          </a:bodyPr>
+          <a:lstStyle/>
+          <a:p>
+            <a:pPr>
+              <a:lnSpc>
+                <a:spcPct val="120000"/>
+              </a:lnSpc>
+            </a:pPr>
+            <a:r>
+              <a:rPr kumimoji="1" lang="zh-CN" altLang="en-US" sz="1200" dirty="0">
+                <a:solidFill>
+                  <a:schemeClr val="tx1">
+                    <a:lumMod val="75000"/>
+                    <a:lumOff val="25000"/>
+                  </a:schemeClr>
+                </a:solidFill>
+              </a:rPr>
+              <a:t>图</a:t>
+            </a:r>
+            <a:r>
+              <a:rPr kumimoji="1" lang="en-US" altLang="zh-CN" sz="1200" dirty="0">
+                <a:solidFill>
+                  <a:schemeClr val="tx1">
+                    <a:lumMod val="75000"/>
+                    <a:lumOff val="25000"/>
+                  </a:schemeClr>
+                </a:solidFill>
+              </a:rPr>
+              <a:t>6</a:t>
+            </a:r>
+            <a:r>
+              <a:rPr kumimoji="1" lang="zh-CN" altLang="en-US" sz="1200" dirty="0">
+                <a:solidFill>
+                  <a:schemeClr val="tx1">
+                    <a:lumMod val="75000"/>
+                    <a:lumOff val="25000"/>
+                  </a:schemeClr>
+                </a:solidFill>
+              </a:rPr>
+              <a:t> 项目规划进度：软件需求分析</a:t>
+            </a:r>
+          </a:p>
+        </p:txBody>
+      </p:sp>
+      <p:pic>
+        <p:nvPicPr>
+          <p:cNvPr id="6" name="图片 5">
+            <a:extLst>
+              <a:ext uri="{FF2B5EF4-FFF2-40B4-BE49-F238E27FC236}">
+                <a16:creationId xmlns:a16="http://schemas.microsoft.com/office/drawing/2014/main" id="{2DC86819-E92E-5A4F-9113-12C5D0914FD9}"/>
+              </a:ext>
+            </a:extLst>
+          </p:cNvPr>
+          <p:cNvPicPr>
+            <a:picLocks noChangeAspect="1"/>
+          </p:cNvPicPr>
+          <p:nvPr/>
+        </p:nvPicPr>
+        <p:blipFill>
+          <a:blip r:embed="rId3">
+            <a:extLst>
+              <a:ext uri="{28A0092B-C50C-407E-A947-70E740481C1C}">
+                <a14:useLocalDpi xmlns:a14="http://schemas.microsoft.com/office/drawing/2010/main" val="0"/>
+              </a:ext>
+            </a:extLst>
+          </a:blip>
+          <a:stretch>
+            <a:fillRect/>
+          </a:stretch>
+        </p:blipFill>
+        <p:spPr>
+          <a:xfrm>
+            <a:off x="399582" y="990127"/>
+            <a:ext cx="11389657" cy="4877746"/>
+          </a:xfrm>
+          <a:prstGeom prst="rect">
+            <a:avLst/>
+          </a:prstGeom>
+        </p:spPr>
+      </p:pic>
+    </p:spTree>
+    <p:extLst>
+      <p:ext uri="{BB962C8B-B14F-4D97-AF65-F5344CB8AC3E}">
+        <p14:creationId xmlns:p14="http://schemas.microsoft.com/office/powerpoint/2010/main" val="2308174290"/>
+      </p:ext>
+    </p:extLst>
+  </p:cSld>
+  <p:clrMapOvr>
+    <a:masterClrMapping/>
+  </p:clrMapOvr>
+  <mc:AlternateContent xmlns:mc="http://schemas.openxmlformats.org/markup-compatibility/2006" xmlns:p14="http://schemas.microsoft.com/office/powerpoint/2010/main">
+    <mc:Choice Requires="p14">
+      <p:transition spd="slow" p14:dur="2000" advTm="3000"/>
+    </mc:Choice>
+    <mc:Fallback xmlns="">
+      <p:transition spd="slow" advTm="3000"/>
+    </mc:Fallback>
+  </mc:AlternateContent>
+</p:sld>
+</file>
+
+<file path=ppt/slides/slide15.xml><?xml version="1.0" encoding="utf-8"?>
 <p:sld xmlns:a="http://schemas.openxmlformats.org/drawingml/2006/main" xmlns:r="http://schemas.openxmlformats.org/officeDocument/2006/relationships" xmlns:p="http://schemas.openxmlformats.org/presentationml/2006/main">
   <p:cSld>
     <p:spTree>
@@ -22298,7 +22785,7 @@
                 <a:cs typeface="+mn-ea"/>
                 <a:sym typeface="Arial" panose="020B0604020202020204" pitchFamily="34" charset="0"/>
               </a:rPr>
-              <a:t>实验八</a:t>
+              <a:t>实验七</a:t>
             </a:r>
           </a:p>
         </p:txBody>
@@ -22317,8 +22804,8 @@
         </p:nvSpPr>
         <p:spPr>
           <a:xfrm>
-            <a:off x="6871447" y="1380229"/>
-            <a:ext cx="5136777" cy="5122941"/>
+            <a:off x="6925235" y="1527338"/>
+            <a:ext cx="5136777" cy="4199611"/>
           </a:xfrm>
           <a:prstGeom prst="rect">
             <a:avLst/>
@@ -22330,20 +22817,6 @@
             <a:spAutoFit/>
           </a:bodyPr>
           <a:lstStyle/>
-          <a:p>
-            <a:pPr marL="285750" indent="-285750">
-              <a:lnSpc>
-                <a:spcPct val="150000"/>
-              </a:lnSpc>
-              <a:buFont typeface="Arial" panose="020B0604020202020204" pitchFamily="34" charset="0"/>
-              <a:buChar char="•"/>
-            </a:pPr>
-            <a:r>
-              <a:rPr kumimoji="1" lang="zh-CN" altLang="en-US" sz="2000" dirty="0"/>
-              <a:t>负责人：麦梓健</a:t>
-            </a:r>
-            <a:endParaRPr kumimoji="1" lang="en-US" altLang="zh-CN" sz="2000" dirty="0"/>
-          </a:p>
           <a:p>
             <a:pPr marL="285750" indent="-285750">
               <a:lnSpc>
@@ -22398,7 +22871,7 @@
             </a:pPr>
             <a:r>
               <a:rPr kumimoji="1" lang="zh-CN" altLang="en-US" sz="2000" dirty="0"/>
-              <a:t>会议记录</a:t>
+              <a:t>一、会议记录</a:t>
             </a:r>
             <a:endParaRPr kumimoji="1" lang="en-US" altLang="zh-CN" sz="2000" dirty="0"/>
           </a:p>
@@ -22412,7 +22885,7 @@
             </a:pPr>
             <a:r>
               <a:rPr kumimoji="1" lang="zh-CN" altLang="en-US" sz="2000" dirty="0"/>
-              <a:t>项目计划进度</a:t>
+              <a:t>二、项目计划进度</a:t>
             </a:r>
             <a:endParaRPr kumimoji="1" lang="en-US" altLang="zh-CN" sz="2000" dirty="0"/>
           </a:p>
@@ -22426,7 +22899,7 @@
             </a:pPr>
             <a:r>
               <a:rPr kumimoji="1" lang="zh-CN" altLang="en-US" sz="2000" dirty="0"/>
-              <a:t>个人工作进度</a:t>
+              <a:t>三、个人工作进度</a:t>
             </a:r>
             <a:endParaRPr kumimoji="1" lang="en-US" altLang="zh-CN" sz="2000" dirty="0"/>
           </a:p>
@@ -22440,7 +22913,7 @@
             </a:pPr>
             <a:r>
               <a:rPr kumimoji="1" lang="zh-CN" altLang="en-US" sz="2000" dirty="0"/>
-              <a:t>评审意见汇总</a:t>
+              <a:t>四、评审意见汇总</a:t>
             </a:r>
             <a:endParaRPr kumimoji="1" lang="en-US" altLang="zh-CN" sz="2000" dirty="0"/>
           </a:p>
@@ -22454,7 +22927,7 @@
             </a:pPr>
             <a:r>
               <a:rPr kumimoji="1" lang="zh-CN" altLang="en-US" sz="2000" dirty="0"/>
-              <a:t>汇报</a:t>
+              <a:t>五、汇报</a:t>
             </a:r>
             <a:r>
               <a:rPr kumimoji="1" lang="en-US" altLang="zh-CN" sz="2000" dirty="0"/>
@@ -22471,18 +22944,8 @@
             </a:pPr>
             <a:r>
               <a:rPr kumimoji="1" lang="zh-CN" altLang="en-US" sz="2000" dirty="0"/>
-              <a:t>项目说明文档</a:t>
+              <a:t>六、项目说明文档</a:t>
             </a:r>
-            <a:endParaRPr kumimoji="1" lang="en-US" altLang="zh-CN" sz="2000" dirty="0"/>
-          </a:p>
-          <a:p>
-            <a:pPr marL="742950" lvl="1" indent="-285750">
-              <a:lnSpc>
-                <a:spcPct val="150000"/>
-              </a:lnSpc>
-              <a:buFont typeface="Arial" panose="020B0604020202020204" pitchFamily="34" charset="0"/>
-              <a:buChar char="•"/>
-            </a:pPr>
             <a:endParaRPr kumimoji="1" lang="en-US" altLang="zh-CN" sz="2000" dirty="0"/>
           </a:p>
           <a:p>
@@ -22580,7 +23043,7 @@
                   </a:schemeClr>
                 </a:solidFill>
               </a:rPr>
-              <a:t>5</a:t>
+              <a:t>7</a:t>
             </a:r>
             <a:r>
               <a:rPr kumimoji="1" lang="zh-CN" altLang="en-US" sz="1200" dirty="0">
@@ -22591,7 +23054,29 @@
                   </a:schemeClr>
                 </a:solidFill>
               </a:rPr>
-              <a:t> 开发者用例图</a:t>
+              <a:t> 配置管理</a:t>
+            </a:r>
+            <a:r>
+              <a:rPr kumimoji="1" lang="en-US" altLang="zh-CN" sz="1200" dirty="0">
+                <a:solidFill>
+                  <a:schemeClr val="tx1">
+                    <a:lumMod val="75000"/>
+                    <a:lumOff val="25000"/>
+                  </a:schemeClr>
+                </a:solidFill>
+              </a:rPr>
+              <a:t>-</a:t>
+            </a:r>
+            <a:r>
+              <a:rPr kumimoji="1" lang="zh-CN" altLang="en-US" sz="1200" dirty="0">
+                <a:solidFill>
+                  <a:schemeClr val="tx1">
+                    <a:lumMod val="75000"/>
+                    <a:lumOff val="25000"/>
+                  </a:schemeClr>
+                </a:solidFill>
+              </a:rPr>
+              <a:t>例</a:t>
             </a:r>
           </a:p>
         </p:txBody>
@@ -22617,7 +23102,723 @@
 </p:sld>
 </file>
 
-<file path=ppt/slides/slide15.xml><?xml version="1.0" encoding="utf-8"?>
+<file path=ppt/slides/slide16.xml><?xml version="1.0" encoding="utf-8"?>
+<p:sld xmlns:a="http://schemas.openxmlformats.org/drawingml/2006/main" xmlns:r="http://schemas.openxmlformats.org/officeDocument/2006/relationships" xmlns:p="http://schemas.openxmlformats.org/presentationml/2006/main">
+  <p:cSld>
+    <p:spTree>
+      <p:nvGrpSpPr>
+        <p:cNvPr id="1" name=""/>
+        <p:cNvGrpSpPr/>
+        <p:nvPr/>
+      </p:nvGrpSpPr>
+      <p:grpSpPr>
+        <a:xfrm>
+          <a:off x="0" y="0"/>
+          <a:ext cx="0" cy="0"/>
+          <a:chOff x="0" y="0"/>
+          <a:chExt cx="0" cy="0"/>
+        </a:xfrm>
+      </p:grpSpPr>
+      <p:sp>
+        <p:nvSpPr>
+          <p:cNvPr id="2" name="矩形 1">
+            <a:extLst>
+              <a:ext uri="{FF2B5EF4-FFF2-40B4-BE49-F238E27FC236}">
+                <a16:creationId xmlns:a16="http://schemas.microsoft.com/office/drawing/2014/main" id="{17F95F54-1438-E04E-B9A4-6AD9A6CF2F75}"/>
+              </a:ext>
+            </a:extLst>
+          </p:cNvPr>
+          <p:cNvSpPr/>
+          <p:nvPr/>
+        </p:nvSpPr>
+        <p:spPr>
+          <a:xfrm>
+            <a:off x="1062318" y="354830"/>
+            <a:ext cx="1667435" cy="523220"/>
+          </a:xfrm>
+          <a:prstGeom prst="rect">
+            <a:avLst/>
+          </a:prstGeom>
+        </p:spPr>
+        <p:txBody>
+          <a:bodyPr wrap="square">
+            <a:spAutoFit/>
+          </a:bodyPr>
+          <a:lstStyle/>
+          <a:p>
+            <a:pPr algn="dist"/>
+            <a:r>
+              <a:rPr lang="zh-CN" altLang="en-US" sz="2800" b="1" dirty="0">
+                <a:solidFill>
+                  <a:srgbClr val="93C3C2"/>
+                </a:solidFill>
+                <a:latin typeface="Arial" panose="020B0604020202020204" pitchFamily="34" charset="0"/>
+                <a:ea typeface="思源黑体 CN Regular" panose="020B0500000000000000" pitchFamily="34" charset="-122"/>
+                <a:cs typeface="+mn-ea"/>
+                <a:sym typeface="Arial" panose="020B0604020202020204" pitchFamily="34" charset="0"/>
+              </a:rPr>
+              <a:t>实验七</a:t>
+            </a:r>
+          </a:p>
+        </p:txBody>
+      </p:sp>
+      <p:pic>
+        <p:nvPicPr>
+          <p:cNvPr id="4" name="图片 3">
+            <a:extLst>
+              <a:ext uri="{FF2B5EF4-FFF2-40B4-BE49-F238E27FC236}">
+                <a16:creationId xmlns:a16="http://schemas.microsoft.com/office/drawing/2014/main" id="{47BFD815-1792-C746-8F49-C91C2682B71E}"/>
+              </a:ext>
+            </a:extLst>
+          </p:cNvPr>
+          <p:cNvPicPr>
+            <a:picLocks noChangeAspect="1"/>
+          </p:cNvPicPr>
+          <p:nvPr/>
+        </p:nvPicPr>
+        <p:blipFill rotWithShape="1">
+          <a:blip r:embed="rId3"/>
+          <a:srcRect t="3134"/>
+          <a:stretch/>
+        </p:blipFill>
+        <p:spPr>
+          <a:xfrm>
+            <a:off x="0" y="1386874"/>
+            <a:ext cx="5535006" cy="3105208"/>
+          </a:xfrm>
+          <a:prstGeom prst="rect">
+            <a:avLst/>
+          </a:prstGeom>
+        </p:spPr>
+      </p:pic>
+      <p:sp>
+        <p:nvSpPr>
+          <p:cNvPr id="6" name="矩形 5">
+            <a:extLst>
+              <a:ext uri="{FF2B5EF4-FFF2-40B4-BE49-F238E27FC236}">
+                <a16:creationId xmlns:a16="http://schemas.microsoft.com/office/drawing/2014/main" id="{CB5A9FC9-1491-0A4E-9050-BACB8C1F64C9}"/>
+              </a:ext>
+            </a:extLst>
+          </p:cNvPr>
+          <p:cNvSpPr/>
+          <p:nvPr/>
+        </p:nvSpPr>
+        <p:spPr>
+          <a:xfrm>
+            <a:off x="5082988" y="0"/>
+            <a:ext cx="7105837" cy="7066102"/>
+          </a:xfrm>
+          <a:prstGeom prst="rect">
+            <a:avLst/>
+          </a:prstGeom>
+        </p:spPr>
+        <p:txBody>
+          <a:bodyPr wrap="square">
+            <a:spAutoFit/>
+          </a:bodyPr>
+          <a:lstStyle/>
+          <a:p>
+            <a:pPr marL="342900" lvl="0" indent="-342900" algn="just">
+              <a:lnSpc>
+                <a:spcPct val="150000"/>
+              </a:lnSpc>
+              <a:spcAft>
+                <a:spcPts val="0"/>
+              </a:spcAft>
+              <a:buFont typeface="Arial" panose="020B0604020202020204" pitchFamily="34" charset="0"/>
+              <a:buChar char="•"/>
+            </a:pPr>
+            <a:r>
+              <a:rPr lang="zh-CN" altLang="zh-CN" sz="1600" b="1" kern="100" dirty="0">
+                <a:latin typeface="Microsoft YaHei" panose="020B0503020204020204" pitchFamily="34" charset="-122"/>
+                <a:ea typeface="Microsoft YaHei" panose="020B0503020204020204" pitchFamily="34" charset="-122"/>
+                <a:cs typeface="Times New Roman" panose="02020603050405020304" pitchFamily="18" charset="0"/>
+              </a:rPr>
+              <a:t>使用</a:t>
+            </a:r>
+            <a:r>
+              <a:rPr lang="en-US" altLang="zh-CN" sz="1600" b="1" kern="100" dirty="0">
+                <a:latin typeface="Microsoft YaHei" panose="020B0503020204020204" pitchFamily="34" charset="-122"/>
+                <a:ea typeface="Microsoft YaHei" panose="020B0503020204020204" pitchFamily="34" charset="-122"/>
+                <a:cs typeface="Times New Roman" panose="02020603050405020304" pitchFamily="18" charset="0"/>
+              </a:rPr>
+              <a:t>git</a:t>
+            </a:r>
+            <a:r>
+              <a:rPr lang="zh-CN" altLang="zh-CN" sz="1600" b="1" kern="100" dirty="0">
+                <a:latin typeface="Microsoft YaHei" panose="020B0503020204020204" pitchFamily="34" charset="-122"/>
+                <a:ea typeface="Microsoft YaHei" panose="020B0503020204020204" pitchFamily="34" charset="-122"/>
+                <a:cs typeface="Times New Roman" panose="02020603050405020304" pitchFamily="18" charset="0"/>
+              </a:rPr>
+              <a:t>管理项目进度</a:t>
+            </a:r>
+          </a:p>
+          <a:p>
+            <a:pPr marL="742950" lvl="1" indent="-285750" algn="just">
+              <a:lnSpc>
+                <a:spcPct val="150000"/>
+              </a:lnSpc>
+              <a:spcAft>
+                <a:spcPts val="0"/>
+              </a:spcAft>
+              <a:buFont typeface="Arial" panose="020B0604020202020204" pitchFamily="34" charset="0"/>
+              <a:buChar char="•"/>
+            </a:pPr>
+            <a:r>
+              <a:rPr lang="zh-CN" altLang="en-US" sz="1600" kern="100" dirty="0">
+                <a:latin typeface="Microsoft YaHei" panose="020B0503020204020204" pitchFamily="34" charset="-122"/>
+                <a:ea typeface="Microsoft YaHei" panose="020B0503020204020204" pitchFamily="34" charset="-122"/>
+                <a:cs typeface="Times New Roman" panose="02020603050405020304" pitchFamily="18" charset="0"/>
+              </a:rPr>
+              <a:t>分支管理：</a:t>
+            </a:r>
+            <a:endParaRPr lang="en-US" altLang="zh-CN" sz="1600" kern="100" dirty="0">
+              <a:latin typeface="Microsoft YaHei" panose="020B0503020204020204" pitchFamily="34" charset="-122"/>
+              <a:ea typeface="Microsoft YaHei" panose="020B0503020204020204" pitchFamily="34" charset="-122"/>
+              <a:cs typeface="Times New Roman" panose="02020603050405020304" pitchFamily="18" charset="0"/>
+            </a:endParaRPr>
+          </a:p>
+          <a:p>
+            <a:pPr marL="1200150" lvl="2" indent="-285750" algn="just">
+              <a:lnSpc>
+                <a:spcPct val="150000"/>
+              </a:lnSpc>
+              <a:buFont typeface="Arial" panose="020B0604020202020204" pitchFamily="34" charset="0"/>
+              <a:buChar char="•"/>
+            </a:pPr>
+            <a:r>
+              <a:rPr lang="zh-CN" altLang="zh-CN" sz="1600" kern="100" dirty="0">
+                <a:latin typeface="Microsoft YaHei" panose="020B0503020204020204" pitchFamily="34" charset="-122"/>
+                <a:ea typeface="Microsoft YaHei" panose="020B0503020204020204" pitchFamily="34" charset="-122"/>
+                <a:cs typeface="Times New Roman" panose="02020603050405020304" pitchFamily="18" charset="0"/>
+              </a:rPr>
+              <a:t>以</a:t>
+            </a:r>
+            <a:r>
+              <a:rPr lang="en-US" altLang="zh-CN" sz="1600" kern="100" dirty="0">
+                <a:latin typeface="Microsoft YaHei" panose="020B0503020204020204" pitchFamily="34" charset="-122"/>
+                <a:ea typeface="Microsoft YaHei" panose="020B0503020204020204" pitchFamily="34" charset="-122"/>
+                <a:cs typeface="Times New Roman" panose="02020603050405020304" pitchFamily="18" charset="0"/>
+              </a:rPr>
+              <a:t> master </a:t>
+            </a:r>
+            <a:r>
+              <a:rPr lang="zh-CN" altLang="zh-CN" sz="1600" kern="100" dirty="0">
+                <a:latin typeface="Microsoft YaHei" panose="020B0503020204020204" pitchFamily="34" charset="-122"/>
+                <a:ea typeface="Microsoft YaHei" panose="020B0503020204020204" pitchFamily="34" charset="-122"/>
+                <a:cs typeface="Times New Roman" panose="02020603050405020304" pitchFamily="18" charset="0"/>
+              </a:rPr>
+              <a:t>作为团队主分支，其上所有</a:t>
+            </a:r>
+            <a:r>
+              <a:rPr lang="en-US" altLang="zh-CN" sz="1600" kern="100" dirty="0">
+                <a:latin typeface="Microsoft YaHei" panose="020B0503020204020204" pitchFamily="34" charset="-122"/>
+                <a:ea typeface="Microsoft YaHei" panose="020B0503020204020204" pitchFamily="34" charset="-122"/>
+                <a:cs typeface="Times New Roman" panose="02020603050405020304" pitchFamily="18" charset="0"/>
+              </a:rPr>
+              <a:t>commit</a:t>
+            </a:r>
+            <a:r>
+              <a:rPr lang="zh-CN" altLang="zh-CN" sz="1600" kern="100" dirty="0">
+                <a:latin typeface="Microsoft YaHei" panose="020B0503020204020204" pitchFamily="34" charset="-122"/>
+                <a:ea typeface="Microsoft YaHei" panose="020B0503020204020204" pitchFamily="34" charset="-122"/>
+                <a:cs typeface="Times New Roman" panose="02020603050405020304" pitchFamily="18" charset="0"/>
+              </a:rPr>
+              <a:t>是团队工作合并后的稳定版本</a:t>
+            </a:r>
+          </a:p>
+          <a:p>
+            <a:pPr marL="1200150" lvl="2" indent="-285750" algn="just">
+              <a:lnSpc>
+                <a:spcPct val="150000"/>
+              </a:lnSpc>
+              <a:buFont typeface="Arial" panose="020B0604020202020204" pitchFamily="34" charset="0"/>
+              <a:buChar char="•"/>
+            </a:pPr>
+            <a:r>
+              <a:rPr lang="en-US" altLang="zh-CN" sz="1600" kern="100" dirty="0">
+                <a:latin typeface="Microsoft YaHei" panose="020B0503020204020204" pitchFamily="34" charset="-122"/>
+                <a:ea typeface="Microsoft YaHei" panose="020B0503020204020204" pitchFamily="34" charset="-122"/>
+                <a:cs typeface="Times New Roman" panose="02020603050405020304" pitchFamily="18" charset="0"/>
+              </a:rPr>
+              <a:t>hotfix </a:t>
+            </a:r>
+            <a:r>
+              <a:rPr lang="zh-CN" altLang="zh-CN" sz="1600" kern="100" dirty="0">
+                <a:latin typeface="Microsoft YaHei" panose="020B0503020204020204" pitchFamily="34" charset="-122"/>
+                <a:ea typeface="Microsoft YaHei" panose="020B0503020204020204" pitchFamily="34" charset="-122"/>
+                <a:cs typeface="Times New Roman" panose="02020603050405020304" pitchFamily="18" charset="0"/>
+              </a:rPr>
+              <a:t>分支用于问题反馈的修复，向</a:t>
+            </a:r>
+            <a:r>
+              <a:rPr lang="en-US" altLang="zh-CN" sz="1600" kern="100" dirty="0">
+                <a:latin typeface="Microsoft YaHei" panose="020B0503020204020204" pitchFamily="34" charset="-122"/>
+                <a:ea typeface="Microsoft YaHei" panose="020B0503020204020204" pitchFamily="34" charset="-122"/>
+                <a:cs typeface="Times New Roman" panose="02020603050405020304" pitchFamily="18" charset="0"/>
+              </a:rPr>
+              <a:t> master </a:t>
+            </a:r>
+            <a:r>
+              <a:rPr lang="zh-CN" altLang="zh-CN" sz="1600" kern="100" dirty="0">
+                <a:latin typeface="Microsoft YaHei" panose="020B0503020204020204" pitchFamily="34" charset="-122"/>
+                <a:ea typeface="Microsoft YaHei" panose="020B0503020204020204" pitchFamily="34" charset="-122"/>
+                <a:cs typeface="Times New Roman" panose="02020603050405020304" pitchFamily="18" charset="0"/>
+              </a:rPr>
+              <a:t>和</a:t>
+            </a:r>
+            <a:r>
+              <a:rPr lang="en-US" altLang="zh-CN" sz="1600" kern="100" dirty="0">
+                <a:latin typeface="Microsoft YaHei" panose="020B0503020204020204" pitchFamily="34" charset="-122"/>
+                <a:ea typeface="Microsoft YaHei" panose="020B0503020204020204" pitchFamily="34" charset="-122"/>
+                <a:cs typeface="Times New Roman" panose="02020603050405020304" pitchFamily="18" charset="0"/>
+              </a:rPr>
+              <a:t> develop </a:t>
+            </a:r>
+            <a:r>
+              <a:rPr lang="zh-CN" altLang="zh-CN" sz="1600" kern="100" dirty="0">
+                <a:latin typeface="Microsoft YaHei" panose="020B0503020204020204" pitchFamily="34" charset="-122"/>
+                <a:ea typeface="Microsoft YaHei" panose="020B0503020204020204" pitchFamily="34" charset="-122"/>
+                <a:cs typeface="Times New Roman" panose="02020603050405020304" pitchFamily="18" charset="0"/>
+              </a:rPr>
+              <a:t>合并</a:t>
+            </a:r>
+          </a:p>
+          <a:p>
+            <a:pPr marL="1200150" lvl="2" indent="-285750" algn="just">
+              <a:lnSpc>
+                <a:spcPct val="150000"/>
+              </a:lnSpc>
+              <a:buFont typeface="Arial" panose="020B0604020202020204" pitchFamily="34" charset="0"/>
+              <a:buChar char="•"/>
+            </a:pPr>
+            <a:r>
+              <a:rPr lang="zh-CN" altLang="zh-CN" sz="1600" kern="100" dirty="0">
+                <a:latin typeface="Microsoft YaHei" panose="020B0503020204020204" pitchFamily="34" charset="-122"/>
+                <a:ea typeface="Microsoft YaHei" panose="020B0503020204020204" pitchFamily="34" charset="-122"/>
+                <a:cs typeface="Times New Roman" panose="02020603050405020304" pitchFamily="18" charset="0"/>
+              </a:rPr>
+              <a:t>在</a:t>
+            </a:r>
+            <a:r>
+              <a:rPr lang="en-US" altLang="zh-CN" sz="1600" kern="100" dirty="0">
+                <a:latin typeface="Microsoft YaHei" panose="020B0503020204020204" pitchFamily="34" charset="-122"/>
+                <a:ea typeface="Microsoft YaHei" panose="020B0503020204020204" pitchFamily="34" charset="-122"/>
+                <a:cs typeface="Times New Roman" panose="02020603050405020304" pitchFamily="18" charset="0"/>
+              </a:rPr>
+              <a:t>develop</a:t>
+            </a:r>
+            <a:r>
+              <a:rPr lang="zh-CN" altLang="zh-CN" sz="1600" kern="100" dirty="0">
+                <a:latin typeface="Microsoft YaHei" panose="020B0503020204020204" pitchFamily="34" charset="-122"/>
+                <a:ea typeface="Microsoft YaHei" panose="020B0503020204020204" pitchFamily="34" charset="-122"/>
+                <a:cs typeface="Times New Roman" panose="02020603050405020304" pitchFamily="18" charset="0"/>
+              </a:rPr>
+              <a:t>分支上开始新的实验内容</a:t>
+            </a:r>
+          </a:p>
+          <a:p>
+            <a:pPr marL="1200150" lvl="2" indent="-285750" algn="just">
+              <a:lnSpc>
+                <a:spcPct val="150000"/>
+              </a:lnSpc>
+              <a:buFont typeface="Arial" panose="020B0604020202020204" pitchFamily="34" charset="0"/>
+              <a:buChar char="•"/>
+            </a:pPr>
+            <a:r>
+              <a:rPr lang="zh-CN" altLang="zh-CN" sz="1600" kern="100" dirty="0">
+                <a:latin typeface="Microsoft YaHei" panose="020B0503020204020204" pitchFamily="34" charset="-122"/>
+                <a:ea typeface="Microsoft YaHei" panose="020B0503020204020204" pitchFamily="34" charset="-122"/>
+                <a:cs typeface="Times New Roman" panose="02020603050405020304" pitchFamily="18" charset="0"/>
+              </a:rPr>
+              <a:t>各个团队成员通过从</a:t>
+            </a:r>
+            <a:r>
+              <a:rPr lang="en-US" altLang="zh-CN" sz="1600" kern="100" dirty="0">
+                <a:latin typeface="Microsoft YaHei" panose="020B0503020204020204" pitchFamily="34" charset="-122"/>
+                <a:ea typeface="Microsoft YaHei" panose="020B0503020204020204" pitchFamily="34" charset="-122"/>
+                <a:cs typeface="Times New Roman" panose="02020603050405020304" pitchFamily="18" charset="0"/>
+              </a:rPr>
+              <a:t>develop</a:t>
+            </a:r>
+            <a:r>
+              <a:rPr lang="zh-CN" altLang="zh-CN" sz="1600" kern="100" dirty="0">
+                <a:latin typeface="Microsoft YaHei" panose="020B0503020204020204" pitchFamily="34" charset="-122"/>
+                <a:ea typeface="Microsoft YaHei" panose="020B0503020204020204" pitchFamily="34" charset="-122"/>
+                <a:cs typeface="Times New Roman" panose="02020603050405020304" pitchFamily="18" charset="0"/>
+              </a:rPr>
+              <a:t>上创建新的个人分支进行自己的工作</a:t>
+            </a:r>
+          </a:p>
+          <a:p>
+            <a:pPr marL="1200150" lvl="2" indent="-285750" algn="just">
+              <a:lnSpc>
+                <a:spcPct val="150000"/>
+              </a:lnSpc>
+              <a:buFont typeface="Arial" panose="020B0604020202020204" pitchFamily="34" charset="0"/>
+              <a:buChar char="•"/>
+            </a:pPr>
+            <a:r>
+              <a:rPr lang="zh-CN" altLang="zh-CN" sz="1600" kern="100" dirty="0">
+                <a:latin typeface="Microsoft YaHei" panose="020B0503020204020204" pitchFamily="34" charset="-122"/>
+                <a:ea typeface="Microsoft YaHei" panose="020B0503020204020204" pitchFamily="34" charset="-122"/>
+                <a:cs typeface="Times New Roman" panose="02020603050405020304" pitchFamily="18" charset="0"/>
+              </a:rPr>
+              <a:t>团队成员需要通过</a:t>
+            </a:r>
+            <a:r>
+              <a:rPr lang="en-US" altLang="zh-CN" sz="1600" kern="100" dirty="0">
+                <a:latin typeface="Microsoft YaHei" panose="020B0503020204020204" pitchFamily="34" charset="-122"/>
+                <a:ea typeface="Microsoft YaHei" panose="020B0503020204020204" pitchFamily="34" charset="-122"/>
+                <a:cs typeface="Times New Roman" panose="02020603050405020304" pitchFamily="18" charset="0"/>
+              </a:rPr>
+              <a:t>pull request</a:t>
+            </a:r>
+            <a:r>
+              <a:rPr lang="zh-CN" altLang="zh-CN" sz="1600" kern="100" dirty="0">
+                <a:latin typeface="Microsoft YaHei" panose="020B0503020204020204" pitchFamily="34" charset="-122"/>
+                <a:ea typeface="Microsoft YaHei" panose="020B0503020204020204" pitchFamily="34" charset="-122"/>
+                <a:cs typeface="Times New Roman" panose="02020603050405020304" pitchFamily="18" charset="0"/>
+              </a:rPr>
+              <a:t>将自己的分支合并到</a:t>
+            </a:r>
+            <a:r>
+              <a:rPr lang="en-US" altLang="zh-CN" sz="1600" kern="100" dirty="0">
+                <a:latin typeface="Microsoft YaHei" panose="020B0503020204020204" pitchFamily="34" charset="-122"/>
+                <a:ea typeface="Microsoft YaHei" panose="020B0503020204020204" pitchFamily="34" charset="-122"/>
+                <a:cs typeface="Times New Roman" panose="02020603050405020304" pitchFamily="18" charset="0"/>
+              </a:rPr>
+              <a:t>develop</a:t>
+            </a:r>
+            <a:r>
+              <a:rPr lang="zh-CN" altLang="zh-CN" sz="1600" kern="100" dirty="0">
+                <a:latin typeface="Microsoft YaHei" panose="020B0503020204020204" pitchFamily="34" charset="-122"/>
+                <a:ea typeface="Microsoft YaHei" panose="020B0503020204020204" pitchFamily="34" charset="-122"/>
+                <a:cs typeface="Times New Roman" panose="02020603050405020304" pitchFamily="18" charset="0"/>
+              </a:rPr>
+              <a:t>分支，团队成员审核后组长操作</a:t>
+            </a:r>
+          </a:p>
+          <a:p>
+            <a:pPr marL="1200150" lvl="2" indent="-285750" algn="just">
+              <a:lnSpc>
+                <a:spcPct val="150000"/>
+              </a:lnSpc>
+              <a:buFont typeface="Arial" panose="020B0604020202020204" pitchFamily="34" charset="0"/>
+              <a:buChar char="•"/>
+            </a:pPr>
+            <a:r>
+              <a:rPr lang="en-US" altLang="zh-CN" sz="1600" kern="100" dirty="0">
+                <a:latin typeface="Microsoft YaHei" panose="020B0503020204020204" pitchFamily="34" charset="-122"/>
+                <a:ea typeface="Microsoft YaHei" panose="020B0503020204020204" pitchFamily="34" charset="-122"/>
+                <a:cs typeface="Times New Roman" panose="02020603050405020304" pitchFamily="18" charset="0"/>
+              </a:rPr>
+              <a:t>hotfix </a:t>
+            </a:r>
+            <a:r>
+              <a:rPr lang="zh-CN" altLang="zh-CN" sz="1600" kern="100" dirty="0">
+                <a:latin typeface="Microsoft YaHei" panose="020B0503020204020204" pitchFamily="34" charset="-122"/>
+                <a:ea typeface="Microsoft YaHei" panose="020B0503020204020204" pitchFamily="34" charset="-122"/>
+                <a:cs typeface="Times New Roman" panose="02020603050405020304" pitchFamily="18" charset="0"/>
+              </a:rPr>
+              <a:t>分支合并完成后应被删除</a:t>
+            </a:r>
+          </a:p>
+          <a:p>
+            <a:pPr marL="1200150" lvl="2" indent="-285750" algn="just">
+              <a:lnSpc>
+                <a:spcPct val="150000"/>
+              </a:lnSpc>
+              <a:buFont typeface="Arial" panose="020B0604020202020204" pitchFamily="34" charset="0"/>
+              <a:buChar char="•"/>
+            </a:pPr>
+            <a:r>
+              <a:rPr lang="zh-CN" altLang="zh-CN" sz="1600" kern="100" dirty="0">
+                <a:latin typeface="Microsoft YaHei" panose="020B0503020204020204" pitchFamily="34" charset="-122"/>
+                <a:ea typeface="Microsoft YaHei" panose="020B0503020204020204" pitchFamily="34" charset="-122"/>
+                <a:cs typeface="Times New Roman" panose="02020603050405020304" pitchFamily="18" charset="0"/>
+              </a:rPr>
+              <a:t>团队生成的最终文档通过</a:t>
+            </a:r>
+            <a:r>
+              <a:rPr lang="en-US" altLang="zh-CN" sz="1600" kern="100" dirty="0">
+                <a:latin typeface="Microsoft YaHei" panose="020B0503020204020204" pitchFamily="34" charset="-122"/>
+                <a:ea typeface="Microsoft YaHei" panose="020B0503020204020204" pitchFamily="34" charset="-122"/>
+                <a:cs typeface="Times New Roman" panose="02020603050405020304" pitchFamily="18" charset="0"/>
+              </a:rPr>
+              <a:t>release</a:t>
+            </a:r>
+            <a:r>
+              <a:rPr lang="zh-CN" altLang="zh-CN" sz="1600" kern="100" dirty="0">
+                <a:latin typeface="Microsoft YaHei" panose="020B0503020204020204" pitchFamily="34" charset="-122"/>
+                <a:ea typeface="Microsoft YaHei" panose="020B0503020204020204" pitchFamily="34" charset="-122"/>
+                <a:cs typeface="Times New Roman" panose="02020603050405020304" pitchFamily="18" charset="0"/>
+              </a:rPr>
+              <a:t>发布</a:t>
+            </a:r>
+            <a:endParaRPr lang="en-US" altLang="zh-CN" sz="1600" kern="100" dirty="0">
+              <a:latin typeface="Microsoft YaHei" panose="020B0503020204020204" pitchFamily="34" charset="-122"/>
+              <a:ea typeface="Microsoft YaHei" panose="020B0503020204020204" pitchFamily="34" charset="-122"/>
+              <a:cs typeface="Times New Roman" panose="02020603050405020304" pitchFamily="18" charset="0"/>
+            </a:endParaRPr>
+          </a:p>
+          <a:p>
+            <a:pPr marL="742950" lvl="1" indent="-285750" algn="just">
+              <a:lnSpc>
+                <a:spcPct val="150000"/>
+              </a:lnSpc>
+              <a:spcAft>
+                <a:spcPts val="0"/>
+              </a:spcAft>
+              <a:buFont typeface="Arial" panose="020B0604020202020204" pitchFamily="34" charset="0"/>
+              <a:buChar char="•"/>
+            </a:pPr>
+            <a:r>
+              <a:rPr lang="zh-CN" altLang="en-US" sz="1600" dirty="0">
+                <a:latin typeface="Microsoft YaHei" panose="020B0503020204020204" pitchFamily="34" charset="-122"/>
+                <a:ea typeface="Microsoft YaHei" panose="020B0503020204020204" pitchFamily="34" charset="-122"/>
+              </a:rPr>
+              <a:t>文件内容和名称分配：</a:t>
+            </a:r>
+            <a:endParaRPr lang="en-US" altLang="zh-CN" sz="1600" dirty="0">
+              <a:latin typeface="Microsoft YaHei" panose="020B0503020204020204" pitchFamily="34" charset="-122"/>
+              <a:ea typeface="Microsoft YaHei" panose="020B0503020204020204" pitchFamily="34" charset="-122"/>
+            </a:endParaRPr>
+          </a:p>
+          <a:p>
+            <a:pPr marL="1200150" lvl="2" indent="-285750" algn="just">
+              <a:lnSpc>
+                <a:spcPct val="150000"/>
+              </a:lnSpc>
+              <a:buFont typeface="Arial" panose="020B0604020202020204" pitchFamily="34" charset="0"/>
+              <a:buChar char="•"/>
+            </a:pPr>
+            <a:r>
+              <a:rPr lang="zh-CN" altLang="en-US" sz="1600" dirty="0">
+                <a:latin typeface="Microsoft YaHei" panose="020B0503020204020204" pitchFamily="34" charset="-122"/>
+                <a:ea typeface="Microsoft YaHei" panose="020B0503020204020204" pitchFamily="34" charset="-122"/>
+              </a:rPr>
+              <a:t>每一位组员将自己的内容通过</a:t>
+            </a:r>
+            <a:r>
+              <a:rPr lang="en" altLang="zh-CN" sz="1600" dirty="0">
+                <a:latin typeface="Microsoft YaHei" panose="020B0503020204020204" pitchFamily="34" charset="-122"/>
+                <a:ea typeface="Microsoft YaHei" panose="020B0503020204020204" pitchFamily="34" charset="-122"/>
+              </a:rPr>
+              <a:t>markdown</a:t>
+            </a:r>
+            <a:r>
+              <a:rPr lang="zh-CN" altLang="en-US" sz="1600" dirty="0">
+                <a:latin typeface="Microsoft YaHei" panose="020B0503020204020204" pitchFamily="34" charset="-122"/>
+                <a:ea typeface="Microsoft YaHei" panose="020B0503020204020204" pitchFamily="34" charset="-122"/>
+              </a:rPr>
+              <a:t>记录，按照既定的任务名称命名</a:t>
+            </a:r>
+            <a:endParaRPr lang="en-US" altLang="zh-CN" sz="1600" dirty="0">
+              <a:latin typeface="Microsoft YaHei" panose="020B0503020204020204" pitchFamily="34" charset="-122"/>
+              <a:ea typeface="Microsoft YaHei" panose="020B0503020204020204" pitchFamily="34" charset="-122"/>
+            </a:endParaRPr>
+          </a:p>
+          <a:p>
+            <a:pPr marL="742950" lvl="1" indent="-285750" algn="just">
+              <a:lnSpc>
+                <a:spcPct val="150000"/>
+              </a:lnSpc>
+              <a:spcAft>
+                <a:spcPts val="0"/>
+              </a:spcAft>
+              <a:buFont typeface="Arial" panose="020B0604020202020204" pitchFamily="34" charset="0"/>
+              <a:buChar char="•"/>
+            </a:pPr>
+            <a:r>
+              <a:rPr lang="zh-CN" altLang="en-US" sz="1600" dirty="0">
+                <a:latin typeface="Microsoft YaHei" panose="020B0503020204020204" pitchFamily="34" charset="-122"/>
+                <a:ea typeface="Microsoft YaHei" panose="020B0503020204020204" pitchFamily="34" charset="-122"/>
+              </a:rPr>
+              <a:t>整合文档：</a:t>
+            </a:r>
+            <a:endParaRPr lang="en-US" altLang="zh-CN" sz="1600" dirty="0">
+              <a:latin typeface="Microsoft YaHei" panose="020B0503020204020204" pitchFamily="34" charset="-122"/>
+              <a:ea typeface="Microsoft YaHei" panose="020B0503020204020204" pitchFamily="34" charset="-122"/>
+            </a:endParaRPr>
+          </a:p>
+          <a:p>
+            <a:pPr marL="1200150" lvl="2" indent="-285750" algn="just">
+              <a:lnSpc>
+                <a:spcPct val="150000"/>
+              </a:lnSpc>
+              <a:buFont typeface="Arial" panose="020B0604020202020204" pitchFamily="34" charset="0"/>
+              <a:buChar char="•"/>
+            </a:pPr>
+            <a:r>
+              <a:rPr lang="zh-CN" altLang="en-US" sz="1600" dirty="0">
+                <a:latin typeface="Microsoft YaHei" panose="020B0503020204020204" pitchFamily="34" charset="-122"/>
+                <a:ea typeface="Microsoft YaHei" panose="020B0503020204020204" pitchFamily="34" charset="-122"/>
+              </a:rPr>
+              <a:t>任务分配时有专人负责最终文档内容的合并以及格式上的调整，版本管理通过</a:t>
+            </a:r>
+            <a:r>
+              <a:rPr lang="en" altLang="zh-CN" sz="1600" dirty="0">
+                <a:latin typeface="Microsoft YaHei" panose="020B0503020204020204" pitchFamily="34" charset="-122"/>
+                <a:ea typeface="Microsoft YaHei" panose="020B0503020204020204" pitchFamily="34" charset="-122"/>
+              </a:rPr>
+              <a:t>git</a:t>
+            </a:r>
+            <a:r>
+              <a:rPr lang="zh-CN" altLang="en-US" sz="1600" dirty="0">
+                <a:latin typeface="Microsoft YaHei" panose="020B0503020204020204" pitchFamily="34" charset="-122"/>
+                <a:ea typeface="Microsoft YaHei" panose="020B0503020204020204" pitchFamily="34" charset="-122"/>
+              </a:rPr>
+              <a:t>的</a:t>
+            </a:r>
+            <a:r>
+              <a:rPr lang="en" altLang="zh-CN" sz="1600" dirty="0">
+                <a:latin typeface="Microsoft YaHei" panose="020B0503020204020204" pitchFamily="34" charset="-122"/>
+                <a:ea typeface="Microsoft YaHei" panose="020B0503020204020204" pitchFamily="34" charset="-122"/>
+              </a:rPr>
+              <a:t>tag</a:t>
+            </a:r>
+            <a:r>
+              <a:rPr lang="zh-CN" altLang="en-US" sz="1600" dirty="0">
+                <a:latin typeface="Microsoft YaHei" panose="020B0503020204020204" pitchFamily="34" charset="-122"/>
+                <a:ea typeface="Microsoft YaHei" panose="020B0503020204020204" pitchFamily="34" charset="-122"/>
+              </a:rPr>
+              <a:t>进行，不在文件名称上显示</a:t>
+            </a:r>
+          </a:p>
+          <a:p>
+            <a:pPr marL="742950" lvl="1" indent="-285750" algn="just">
+              <a:lnSpc>
+                <a:spcPct val="150000"/>
+              </a:lnSpc>
+              <a:spcAft>
+                <a:spcPts val="0"/>
+              </a:spcAft>
+              <a:buFont typeface="Arial" panose="020B0604020202020204" pitchFamily="34" charset="0"/>
+              <a:buChar char="•"/>
+            </a:pPr>
+            <a:endParaRPr lang="zh-CN" altLang="zh-CN" sz="1600" kern="100" dirty="0">
+              <a:effectLst/>
+              <a:latin typeface="Microsoft YaHei" panose="020B0503020204020204" pitchFamily="34" charset="-122"/>
+              <a:ea typeface="Microsoft YaHei" panose="020B0503020204020204" pitchFamily="34" charset="-122"/>
+              <a:cs typeface="Times New Roman" panose="02020603050405020304" pitchFamily="18" charset="0"/>
+            </a:endParaRPr>
+          </a:p>
+        </p:txBody>
+      </p:sp>
+      <p:sp>
+        <p:nvSpPr>
+          <p:cNvPr id="8" name="文本框 7">
+            <a:extLst>
+              <a:ext uri="{FF2B5EF4-FFF2-40B4-BE49-F238E27FC236}">
+                <a16:creationId xmlns:a16="http://schemas.microsoft.com/office/drawing/2014/main" id="{CF218E36-BF65-8643-ACD5-04F00EA44B5D}"/>
+              </a:ext>
+            </a:extLst>
+          </p:cNvPr>
+          <p:cNvSpPr txBox="1"/>
+          <p:nvPr/>
+        </p:nvSpPr>
+        <p:spPr>
+          <a:xfrm>
+            <a:off x="1716941" y="4852820"/>
+            <a:ext cx="2494629" cy="296171"/>
+          </a:xfrm>
+          <a:prstGeom prst="rect">
+            <a:avLst/>
+          </a:prstGeom>
+          <a:noFill/>
+        </p:spPr>
+        <p:txBody>
+          <a:bodyPr wrap="square" rtlCol="0" anchor="ctr">
+            <a:spAutoFit/>
+          </a:bodyPr>
+          <a:lstStyle/>
+          <a:p>
+            <a:pPr>
+              <a:lnSpc>
+                <a:spcPct val="120000"/>
+              </a:lnSpc>
+            </a:pPr>
+            <a:r>
+              <a:rPr kumimoji="1" lang="zh-CN" altLang="en-US" sz="1200" dirty="0">
+                <a:solidFill>
+                  <a:schemeClr val="tx1">
+                    <a:lumMod val="75000"/>
+                    <a:lumOff val="25000"/>
+                  </a:schemeClr>
+                </a:solidFill>
+              </a:rPr>
+              <a:t>图</a:t>
+            </a:r>
+            <a:r>
+              <a:rPr kumimoji="1" lang="en-US" altLang="zh-CN" sz="1200" dirty="0">
+                <a:solidFill>
+                  <a:schemeClr val="tx1">
+                    <a:lumMod val="75000"/>
+                    <a:lumOff val="25000"/>
+                  </a:schemeClr>
+                </a:solidFill>
+              </a:rPr>
+              <a:t>9</a:t>
+            </a:r>
+            <a:r>
+              <a:rPr kumimoji="1" lang="zh-CN" altLang="en-US" sz="1200" dirty="0">
+                <a:solidFill>
+                  <a:schemeClr val="tx1">
+                    <a:lumMod val="75000"/>
+                    <a:lumOff val="25000"/>
+                  </a:schemeClr>
+                </a:solidFill>
+              </a:rPr>
+              <a:t> 配置管理</a:t>
+            </a:r>
+            <a:r>
+              <a:rPr kumimoji="1" lang="en-US" altLang="zh-CN" sz="1200" dirty="0">
+                <a:solidFill>
+                  <a:schemeClr val="tx1">
+                    <a:lumMod val="75000"/>
+                    <a:lumOff val="25000"/>
+                  </a:schemeClr>
+                </a:solidFill>
+              </a:rPr>
+              <a:t>—</a:t>
+            </a:r>
+            <a:r>
+              <a:rPr kumimoji="1" lang="zh-CN" altLang="en-US" sz="1200" dirty="0">
+                <a:solidFill>
+                  <a:schemeClr val="tx1">
+                    <a:lumMod val="75000"/>
+                    <a:lumOff val="25000"/>
+                  </a:schemeClr>
+                </a:solidFill>
+              </a:rPr>
+              <a:t>项目目录</a:t>
+            </a:r>
+          </a:p>
+        </p:txBody>
+      </p:sp>
+    </p:spTree>
+    <p:extLst>
+      <p:ext uri="{BB962C8B-B14F-4D97-AF65-F5344CB8AC3E}">
+        <p14:creationId xmlns:p14="http://schemas.microsoft.com/office/powerpoint/2010/main" val="747914621"/>
+      </p:ext>
+    </p:extLst>
+  </p:cSld>
+  <p:clrMapOvr>
+    <a:masterClrMapping/>
+  </p:clrMapOvr>
+  <mc:AlternateContent xmlns:mc="http://schemas.openxmlformats.org/markup-compatibility/2006" xmlns:p14="http://schemas.microsoft.com/office/powerpoint/2010/main">
+    <mc:Choice Requires="p14">
+      <p:transition spd="slow" p14:dur="2000" advTm="3000"/>
+    </mc:Choice>
+    <mc:Fallback xmlns="">
+      <p:transition spd="slow" advTm="3000"/>
+    </mc:Fallback>
+  </mc:AlternateContent>
+</p:sld>
+</file>
+
+<file path=ppt/slides/slide17.xml><?xml version="1.0" encoding="utf-8"?>
 <p:sld xmlns:a="http://schemas.openxmlformats.org/drawingml/2006/main" xmlns:r="http://schemas.openxmlformats.org/officeDocument/2006/relationships" xmlns:p="http://schemas.openxmlformats.org/presentationml/2006/main">
   <p:cSld>
     <p:spTree>
@@ -22672,7 +23873,390 @@
                 <a:cs typeface="+mn-ea"/>
                 <a:sym typeface="Arial" panose="020B0604020202020204" pitchFamily="34" charset="0"/>
               </a:rPr>
-              <a:t>实验七</a:t>
+              <a:t>实验八</a:t>
+            </a:r>
+          </a:p>
+        </p:txBody>
+      </p:sp>
+      <p:sp>
+        <p:nvSpPr>
+          <p:cNvPr id="4" name="文本框 3">
+            <a:extLst>
+              <a:ext uri="{FF2B5EF4-FFF2-40B4-BE49-F238E27FC236}">
+                <a16:creationId xmlns:a16="http://schemas.microsoft.com/office/drawing/2014/main" id="{071FF626-1954-B146-959C-379FA7E802D2}"/>
+              </a:ext>
+            </a:extLst>
+          </p:cNvPr>
+          <p:cNvSpPr txBox="1"/>
+          <p:nvPr/>
+        </p:nvSpPr>
+        <p:spPr>
+          <a:xfrm>
+            <a:off x="2992997" y="3693556"/>
+            <a:ext cx="2716305" cy="2347950"/>
+          </a:xfrm>
+          <a:prstGeom prst="rect">
+            <a:avLst/>
+          </a:prstGeom>
+          <a:noFill/>
+        </p:spPr>
+        <p:txBody>
+          <a:bodyPr wrap="square" rtlCol="0">
+            <a:spAutoFit/>
+          </a:bodyPr>
+          <a:lstStyle/>
+          <a:p>
+            <a:pPr marL="285750" indent="-285750">
+              <a:lnSpc>
+                <a:spcPct val="150000"/>
+              </a:lnSpc>
+              <a:buFont typeface="Arial" panose="020B0604020202020204" pitchFamily="34" charset="0"/>
+              <a:buChar char="•"/>
+            </a:pPr>
+            <a:r>
+              <a:rPr kumimoji="1" lang="zh-CN" altLang="en-US" sz="2000" dirty="0">
+                <a:latin typeface="Microsoft YaHei" panose="020B0503020204020204" pitchFamily="34" charset="-122"/>
+                <a:ea typeface="Microsoft YaHei" panose="020B0503020204020204" pitchFamily="34" charset="-122"/>
+              </a:rPr>
+              <a:t>统计内容：</a:t>
+            </a:r>
+            <a:endParaRPr kumimoji="1" lang="en-US" altLang="zh-CN" sz="2000" dirty="0">
+              <a:latin typeface="Microsoft YaHei" panose="020B0503020204020204" pitchFamily="34" charset="-122"/>
+              <a:ea typeface="Microsoft YaHei" panose="020B0503020204020204" pitchFamily="34" charset="-122"/>
+            </a:endParaRPr>
+          </a:p>
+          <a:p>
+            <a:pPr marL="742950" lvl="1" indent="-285750">
+              <a:lnSpc>
+                <a:spcPct val="150000"/>
+              </a:lnSpc>
+              <a:buFont typeface="Arial" panose="020B0604020202020204" pitchFamily="34" charset="0"/>
+              <a:buChar char="•"/>
+            </a:pPr>
+            <a:r>
+              <a:rPr kumimoji="1" lang="zh-CN" altLang="en-US" sz="2000" dirty="0">
+                <a:latin typeface="Microsoft YaHei" panose="020B0503020204020204" pitchFamily="34" charset="-122"/>
+                <a:ea typeface="Microsoft YaHei" panose="020B0503020204020204" pitchFamily="34" charset="-122"/>
+              </a:rPr>
+              <a:t>项目</a:t>
+            </a:r>
+            <a:r>
+              <a:rPr kumimoji="1" lang="en-US" altLang="zh-CN" sz="2000" dirty="0">
+                <a:latin typeface="Microsoft YaHei" panose="020B0503020204020204" pitchFamily="34" charset="-122"/>
+                <a:ea typeface="Microsoft YaHei" panose="020B0503020204020204" pitchFamily="34" charset="-122"/>
+              </a:rPr>
+              <a:t>ID</a:t>
+            </a:r>
+            <a:r>
+              <a:rPr kumimoji="1" lang="zh-CN" altLang="en-US" sz="2000" dirty="0">
+                <a:latin typeface="Microsoft YaHei" panose="020B0503020204020204" pitchFamily="34" charset="-122"/>
+                <a:ea typeface="Microsoft YaHei" panose="020B0503020204020204" pitchFamily="34" charset="-122"/>
+              </a:rPr>
+              <a:t>及名称</a:t>
+            </a:r>
+            <a:endParaRPr kumimoji="1" lang="en-US" altLang="zh-CN" sz="2000" dirty="0">
+              <a:latin typeface="Microsoft YaHei" panose="020B0503020204020204" pitchFamily="34" charset="-122"/>
+              <a:ea typeface="Microsoft YaHei" panose="020B0503020204020204" pitchFamily="34" charset="-122"/>
+            </a:endParaRPr>
+          </a:p>
+          <a:p>
+            <a:pPr marL="742950" lvl="1" indent="-285750">
+              <a:lnSpc>
+                <a:spcPct val="150000"/>
+              </a:lnSpc>
+              <a:buFont typeface="Arial" panose="020B0604020202020204" pitchFamily="34" charset="0"/>
+              <a:buChar char="•"/>
+            </a:pPr>
+            <a:r>
+              <a:rPr kumimoji="1" lang="zh-CN" altLang="en-US" sz="2000" dirty="0">
+                <a:latin typeface="Microsoft YaHei" panose="020B0503020204020204" pitchFamily="34" charset="-122"/>
+                <a:ea typeface="Microsoft YaHei" panose="020B0503020204020204" pitchFamily="34" charset="-122"/>
+              </a:rPr>
+              <a:t>延迟与实际用时</a:t>
+            </a:r>
+            <a:endParaRPr kumimoji="1" lang="en-US" altLang="zh-CN" sz="2000" dirty="0">
+              <a:latin typeface="Microsoft YaHei" panose="020B0503020204020204" pitchFamily="34" charset="-122"/>
+              <a:ea typeface="Microsoft YaHei" panose="020B0503020204020204" pitchFamily="34" charset="-122"/>
+            </a:endParaRPr>
+          </a:p>
+          <a:p>
+            <a:pPr marL="742950" lvl="1" indent="-285750">
+              <a:lnSpc>
+                <a:spcPct val="150000"/>
+              </a:lnSpc>
+              <a:buFont typeface="Arial" panose="020B0604020202020204" pitchFamily="34" charset="0"/>
+              <a:buChar char="•"/>
+            </a:pPr>
+            <a:r>
+              <a:rPr kumimoji="1" lang="zh-CN" altLang="en-US" sz="2000" dirty="0">
+                <a:latin typeface="Microsoft YaHei" panose="020B0503020204020204" pitchFamily="34" charset="-122"/>
+                <a:ea typeface="Microsoft YaHei" panose="020B0503020204020204" pitchFamily="34" charset="-122"/>
+              </a:rPr>
+              <a:t>实际开始日期</a:t>
+            </a:r>
+            <a:endParaRPr kumimoji="1" lang="en-US" altLang="zh-CN" sz="2000" dirty="0">
+              <a:latin typeface="Microsoft YaHei" panose="020B0503020204020204" pitchFamily="34" charset="-122"/>
+              <a:ea typeface="Microsoft YaHei" panose="020B0503020204020204" pitchFamily="34" charset="-122"/>
+            </a:endParaRPr>
+          </a:p>
+          <a:p>
+            <a:pPr marL="742950" lvl="1" indent="-285750">
+              <a:lnSpc>
+                <a:spcPct val="150000"/>
+              </a:lnSpc>
+              <a:buFont typeface="Arial" panose="020B0604020202020204" pitchFamily="34" charset="0"/>
+              <a:buChar char="•"/>
+            </a:pPr>
+            <a:r>
+              <a:rPr kumimoji="1" lang="zh-CN" altLang="en-US" sz="2000" dirty="0">
+                <a:latin typeface="Microsoft YaHei" panose="020B0503020204020204" pitchFamily="34" charset="-122"/>
+                <a:ea typeface="Microsoft YaHei" panose="020B0503020204020204" pitchFamily="34" charset="-122"/>
+              </a:rPr>
+              <a:t>实际完成日期</a:t>
+            </a:r>
+          </a:p>
+        </p:txBody>
+      </p:sp>
+      <p:pic>
+        <p:nvPicPr>
+          <p:cNvPr id="5" name="图片 4">
+            <a:extLst>
+              <a:ext uri="{FF2B5EF4-FFF2-40B4-BE49-F238E27FC236}">
+                <a16:creationId xmlns:a16="http://schemas.microsoft.com/office/drawing/2014/main" id="{01DF7291-91EA-EB41-9349-550426844674}"/>
+              </a:ext>
+            </a:extLst>
+          </p:cNvPr>
+          <p:cNvPicPr>
+            <a:picLocks noChangeAspect="1"/>
+          </p:cNvPicPr>
+          <p:nvPr/>
+        </p:nvPicPr>
+        <p:blipFill>
+          <a:blip r:embed="rId2"/>
+          <a:stretch>
+            <a:fillRect/>
+          </a:stretch>
+        </p:blipFill>
+        <p:spPr>
+          <a:xfrm>
+            <a:off x="868362" y="1703945"/>
+            <a:ext cx="10452100" cy="1460500"/>
+          </a:xfrm>
+          <a:prstGeom prst="rect">
+            <a:avLst/>
+          </a:prstGeom>
+        </p:spPr>
+      </p:pic>
+      <p:sp>
+        <p:nvSpPr>
+          <p:cNvPr id="6" name="文本框 5">
+            <a:extLst>
+              <a:ext uri="{FF2B5EF4-FFF2-40B4-BE49-F238E27FC236}">
+                <a16:creationId xmlns:a16="http://schemas.microsoft.com/office/drawing/2014/main" id="{CCAB7519-0139-3A44-9444-4D4F671CACC3}"/>
+              </a:ext>
+            </a:extLst>
+          </p:cNvPr>
+          <p:cNvSpPr txBox="1"/>
+          <p:nvPr/>
+        </p:nvSpPr>
+        <p:spPr>
+          <a:xfrm>
+            <a:off x="5319759" y="3375043"/>
+            <a:ext cx="1955100" cy="296171"/>
+          </a:xfrm>
+          <a:prstGeom prst="rect">
+            <a:avLst/>
+          </a:prstGeom>
+          <a:noFill/>
+        </p:spPr>
+        <p:txBody>
+          <a:bodyPr wrap="square" rtlCol="0" anchor="ctr">
+            <a:spAutoFit/>
+          </a:bodyPr>
+          <a:lstStyle/>
+          <a:p>
+            <a:pPr>
+              <a:lnSpc>
+                <a:spcPct val="120000"/>
+              </a:lnSpc>
+            </a:pPr>
+            <a:r>
+              <a:rPr kumimoji="1" lang="zh-CN" altLang="en-US" sz="1200" dirty="0">
+                <a:solidFill>
+                  <a:schemeClr val="tx1">
+                    <a:lumMod val="75000"/>
+                    <a:lumOff val="25000"/>
+                  </a:schemeClr>
+                </a:solidFill>
+              </a:rPr>
+              <a:t>图</a:t>
+            </a:r>
+            <a:r>
+              <a:rPr kumimoji="1" lang="en-US" altLang="zh-CN" sz="1200" dirty="0">
+                <a:solidFill>
+                  <a:schemeClr val="tx1">
+                    <a:lumMod val="75000"/>
+                    <a:lumOff val="25000"/>
+                  </a:schemeClr>
+                </a:solidFill>
+              </a:rPr>
+              <a:t>10</a:t>
+            </a:r>
+            <a:r>
+              <a:rPr kumimoji="1" lang="zh-CN" altLang="en-US" sz="1200" dirty="0">
+                <a:solidFill>
+                  <a:schemeClr val="tx1">
+                    <a:lumMod val="75000"/>
+                    <a:lumOff val="25000"/>
+                  </a:schemeClr>
+                </a:solidFill>
+              </a:rPr>
+              <a:t> 工作量统计计划</a:t>
+            </a:r>
+          </a:p>
+        </p:txBody>
+      </p:sp>
+      <p:sp>
+        <p:nvSpPr>
+          <p:cNvPr id="7" name="文本框 6">
+            <a:extLst>
+              <a:ext uri="{FF2B5EF4-FFF2-40B4-BE49-F238E27FC236}">
+                <a16:creationId xmlns:a16="http://schemas.microsoft.com/office/drawing/2014/main" id="{5C28D13B-7BAE-0C42-A500-BE486DE87EF9}"/>
+              </a:ext>
+            </a:extLst>
+          </p:cNvPr>
+          <p:cNvSpPr txBox="1"/>
+          <p:nvPr/>
+        </p:nvSpPr>
+        <p:spPr>
+          <a:xfrm>
+            <a:off x="6827121" y="3660046"/>
+            <a:ext cx="2716305" cy="2814617"/>
+          </a:xfrm>
+          <a:prstGeom prst="rect">
+            <a:avLst/>
+          </a:prstGeom>
+          <a:noFill/>
+        </p:spPr>
+        <p:txBody>
+          <a:bodyPr wrap="square" rtlCol="0">
+            <a:spAutoFit/>
+          </a:bodyPr>
+          <a:lstStyle/>
+          <a:p>
+            <a:pPr marL="342900" indent="-342900">
+              <a:lnSpc>
+                <a:spcPct val="150000"/>
+              </a:lnSpc>
+              <a:buFont typeface="Arial" panose="020B0604020202020204" pitchFamily="34" charset="0"/>
+              <a:buChar char="•"/>
+            </a:pPr>
+            <a:r>
+              <a:rPr kumimoji="1" lang="zh-CN" altLang="en-US" sz="2000" dirty="0">
+                <a:latin typeface="Microsoft YaHei" panose="020B0503020204020204" pitchFamily="34" charset="-122"/>
+                <a:ea typeface="Microsoft YaHei" panose="020B0503020204020204" pitchFamily="34" charset="-122"/>
+              </a:rPr>
+              <a:t>工作量统计：</a:t>
+            </a:r>
+            <a:endParaRPr kumimoji="1" lang="en-US" altLang="zh-CN" sz="2000" dirty="0">
+              <a:latin typeface="Microsoft YaHei" panose="020B0503020204020204" pitchFamily="34" charset="-122"/>
+              <a:ea typeface="Microsoft YaHei" panose="020B0503020204020204" pitchFamily="34" charset="-122"/>
+            </a:endParaRPr>
+          </a:p>
+          <a:p>
+            <a:pPr marL="800100" lvl="1" indent="-342900">
+              <a:lnSpc>
+                <a:spcPct val="150000"/>
+              </a:lnSpc>
+              <a:buFont typeface="Arial" panose="020B0604020202020204" pitchFamily="34" charset="0"/>
+              <a:buChar char="•"/>
+            </a:pPr>
+            <a:r>
+              <a:rPr kumimoji="1" lang="zh-CN" altLang="en-US" sz="2000" dirty="0">
+                <a:latin typeface="Microsoft YaHei" panose="020B0503020204020204" pitchFamily="34" charset="-122"/>
+                <a:ea typeface="Microsoft YaHei" panose="020B0503020204020204" pitchFamily="34" charset="-122"/>
+              </a:rPr>
+              <a:t>字数</a:t>
+            </a:r>
+            <a:endParaRPr kumimoji="1" lang="en-US" altLang="zh-CN" sz="2000" dirty="0">
+              <a:latin typeface="Microsoft YaHei" panose="020B0503020204020204" pitchFamily="34" charset="-122"/>
+              <a:ea typeface="Microsoft YaHei" panose="020B0503020204020204" pitchFamily="34" charset="-122"/>
+            </a:endParaRPr>
+          </a:p>
+          <a:p>
+            <a:pPr marL="800100" lvl="1" indent="-342900">
+              <a:lnSpc>
+                <a:spcPct val="150000"/>
+              </a:lnSpc>
+              <a:buFont typeface="Arial" panose="020B0604020202020204" pitchFamily="34" charset="0"/>
+              <a:buChar char="•"/>
+            </a:pPr>
+            <a:r>
+              <a:rPr kumimoji="1" lang="zh-CN" altLang="en-US" sz="2000" dirty="0">
+                <a:latin typeface="Microsoft YaHei" panose="020B0503020204020204" pitchFamily="34" charset="-122"/>
+                <a:ea typeface="Microsoft YaHei" panose="020B0503020204020204" pitchFamily="34" charset="-122"/>
+              </a:rPr>
+              <a:t>图例</a:t>
+            </a:r>
+            <a:endParaRPr kumimoji="1" lang="en-US" altLang="zh-CN" sz="2000" dirty="0">
+              <a:latin typeface="Microsoft YaHei" panose="020B0503020204020204" pitchFamily="34" charset="-122"/>
+              <a:ea typeface="Microsoft YaHei" panose="020B0503020204020204" pitchFamily="34" charset="-122"/>
+            </a:endParaRPr>
+          </a:p>
+          <a:p>
+            <a:pPr marL="800100" lvl="1" indent="-342900">
+              <a:lnSpc>
+                <a:spcPct val="150000"/>
+              </a:lnSpc>
+              <a:buFont typeface="Arial" panose="020B0604020202020204" pitchFamily="34" charset="0"/>
+              <a:buChar char="•"/>
+            </a:pPr>
+            <a:r>
+              <a:rPr kumimoji="1" lang="zh-CN" altLang="en-US" sz="2000" dirty="0">
+                <a:latin typeface="Microsoft YaHei" panose="020B0503020204020204" pitchFamily="34" charset="-122"/>
+                <a:ea typeface="Microsoft YaHei" panose="020B0503020204020204" pitchFamily="34" charset="-122"/>
+              </a:rPr>
+              <a:t>代码量</a:t>
+            </a:r>
+            <a:endParaRPr kumimoji="1" lang="en-US" altLang="zh-CN" sz="2000" dirty="0">
+              <a:latin typeface="Microsoft YaHei" panose="020B0503020204020204" pitchFamily="34" charset="-122"/>
+              <a:ea typeface="Microsoft YaHei" panose="020B0503020204020204" pitchFamily="34" charset="-122"/>
+            </a:endParaRPr>
+          </a:p>
+          <a:p>
+            <a:pPr marL="800100" lvl="1" indent="-342900">
+              <a:lnSpc>
+                <a:spcPct val="150000"/>
+              </a:lnSpc>
+              <a:buFont typeface="Arial" panose="020B0604020202020204" pitchFamily="34" charset="0"/>
+              <a:buChar char="•"/>
+            </a:pPr>
+            <a:r>
+              <a:rPr kumimoji="1" lang="zh-CN" altLang="en-US" sz="2000" dirty="0">
+                <a:latin typeface="Microsoft YaHei" panose="020B0503020204020204" pitchFamily="34" charset="-122"/>
+                <a:ea typeface="Microsoft YaHei" panose="020B0503020204020204" pitchFamily="34" charset="-122"/>
+              </a:rPr>
+              <a:t>测试用例</a:t>
+            </a:r>
+            <a:endParaRPr kumimoji="1" lang="en-US" altLang="zh-CN" sz="2000" dirty="0">
+              <a:latin typeface="Microsoft YaHei" panose="020B0503020204020204" pitchFamily="34" charset="-122"/>
+              <a:ea typeface="Microsoft YaHei" panose="020B0503020204020204" pitchFamily="34" charset="-122"/>
+            </a:endParaRPr>
+          </a:p>
+          <a:p>
+            <a:pPr marL="800100" lvl="1" indent="-342900">
+              <a:lnSpc>
+                <a:spcPct val="150000"/>
+              </a:lnSpc>
+              <a:buFont typeface="Arial" panose="020B0604020202020204" pitchFamily="34" charset="0"/>
+              <a:buChar char="•"/>
+            </a:pPr>
+            <a:r>
+              <a:rPr kumimoji="1" lang="en-US" altLang="zh-CN" sz="2000" dirty="0">
+                <a:latin typeface="Microsoft YaHei" panose="020B0503020204020204" pitchFamily="34" charset="-122"/>
+                <a:ea typeface="Microsoft YaHei" panose="020B0503020204020204" pitchFamily="34" charset="-122"/>
+              </a:rPr>
+              <a:t>…</a:t>
             </a:r>
           </a:p>
         </p:txBody>
@@ -22698,7 +24282,1208 @@
 </p:sld>
 </file>
 
-<file path=ppt/slides/slide16.xml><?xml version="1.0" encoding="utf-8"?>
+<file path=ppt/slides/slide18.xml><?xml version="1.0" encoding="utf-8"?>
+<p:sld xmlns:a="http://schemas.openxmlformats.org/drawingml/2006/main" xmlns:r="http://schemas.openxmlformats.org/officeDocument/2006/relationships" xmlns:p="http://schemas.openxmlformats.org/presentationml/2006/main">
+  <p:cSld>
+    <p:spTree>
+      <p:nvGrpSpPr>
+        <p:cNvPr id="1" name=""/>
+        <p:cNvGrpSpPr/>
+        <p:nvPr/>
+      </p:nvGrpSpPr>
+      <p:grpSpPr>
+        <a:xfrm>
+          <a:off x="0" y="0"/>
+          <a:ext cx="0" cy="0"/>
+          <a:chOff x="0" y="0"/>
+          <a:chExt cx="0" cy="0"/>
+        </a:xfrm>
+      </p:grpSpPr>
+      <p:sp>
+        <p:nvSpPr>
+          <p:cNvPr id="2" name="矩形 1">
+            <a:extLst>
+              <a:ext uri="{FF2B5EF4-FFF2-40B4-BE49-F238E27FC236}">
+                <a16:creationId xmlns:a16="http://schemas.microsoft.com/office/drawing/2014/main" id="{A665CE6D-F2CB-354C-A9D7-39C2264ABBA3}"/>
+              </a:ext>
+            </a:extLst>
+          </p:cNvPr>
+          <p:cNvSpPr/>
+          <p:nvPr/>
+        </p:nvSpPr>
+        <p:spPr>
+          <a:xfrm>
+            <a:off x="1089213" y="354830"/>
+            <a:ext cx="1748116" cy="523220"/>
+          </a:xfrm>
+          <a:prstGeom prst="rect">
+            <a:avLst/>
+          </a:prstGeom>
+        </p:spPr>
+        <p:txBody>
+          <a:bodyPr wrap="square">
+            <a:spAutoFit/>
+          </a:bodyPr>
+          <a:lstStyle/>
+          <a:p>
+            <a:pPr algn="dist"/>
+            <a:r>
+              <a:rPr lang="zh-CN" altLang="en-US" sz="2800" b="1" dirty="0">
+                <a:solidFill>
+                  <a:srgbClr val="93C3C2"/>
+                </a:solidFill>
+                <a:latin typeface="Arial" panose="020B0604020202020204" pitchFamily="34" charset="0"/>
+                <a:ea typeface="思源黑体 CN Regular" panose="020B0500000000000000" pitchFamily="34" charset="-122"/>
+                <a:cs typeface="+mn-ea"/>
+                <a:sym typeface="Arial" panose="020B0604020202020204" pitchFamily="34" charset="0"/>
+              </a:rPr>
+              <a:t>工作评定</a:t>
+            </a:r>
+          </a:p>
+        </p:txBody>
+      </p:sp>
+      <p:sp>
+        <p:nvSpPr>
+          <p:cNvPr id="3" name="矩形 2">
+            <a:extLst>
+              <a:ext uri="{FF2B5EF4-FFF2-40B4-BE49-F238E27FC236}">
+                <a16:creationId xmlns:a16="http://schemas.microsoft.com/office/drawing/2014/main" id="{C65062C5-AA76-7248-912D-B7FD4702A1F4}"/>
+              </a:ext>
+            </a:extLst>
+          </p:cNvPr>
+          <p:cNvSpPr/>
+          <p:nvPr/>
+        </p:nvSpPr>
+        <p:spPr>
+          <a:xfrm>
+            <a:off x="1371600" y="1893638"/>
+            <a:ext cx="3724835" cy="4609532"/>
+          </a:xfrm>
+          <a:prstGeom prst="rect">
+            <a:avLst/>
+          </a:prstGeom>
+        </p:spPr>
+        <p:txBody>
+          <a:bodyPr wrap="square">
+            <a:spAutoFit/>
+          </a:bodyPr>
+          <a:lstStyle/>
+          <a:p>
+            <a:pPr marL="285750" indent="-285750">
+              <a:lnSpc>
+                <a:spcPct val="150000"/>
+              </a:lnSpc>
+              <a:buFont typeface="Arial" panose="020B0604020202020204" pitchFamily="34" charset="0"/>
+              <a:buChar char="•"/>
+            </a:pPr>
+            <a:r>
+              <a:rPr lang="zh-CN" altLang="en-US" dirty="0">
+                <a:solidFill>
+                  <a:srgbClr val="000000"/>
+                </a:solidFill>
+                <a:latin typeface="Microsoft YaHei" panose="020B0503020204020204" pitchFamily="34" charset="-122"/>
+                <a:ea typeface="Microsoft YaHei" panose="020B0503020204020204" pitchFamily="34" charset="-122"/>
+              </a:rPr>
+              <a:t>文档工作进度的评价标准：</a:t>
+            </a:r>
+            <a:endParaRPr lang="en-US" altLang="zh-CN" dirty="0">
+              <a:solidFill>
+                <a:srgbClr val="000000"/>
+              </a:solidFill>
+              <a:latin typeface="Microsoft YaHei" panose="020B0503020204020204" pitchFamily="34" charset="-122"/>
+              <a:ea typeface="Microsoft YaHei" panose="020B0503020204020204" pitchFamily="34" charset="-122"/>
+            </a:endParaRPr>
+          </a:p>
+          <a:p>
+            <a:pPr marL="742950" lvl="1" indent="-285750">
+              <a:lnSpc>
+                <a:spcPct val="150000"/>
+              </a:lnSpc>
+              <a:buFont typeface="Arial" panose="020B0604020202020204" pitchFamily="34" charset="0"/>
+              <a:buChar char="•"/>
+            </a:pPr>
+            <a:r>
+              <a:rPr lang="zh-CN" altLang="en-US" dirty="0">
+                <a:solidFill>
+                  <a:srgbClr val="000000"/>
+                </a:solidFill>
+                <a:latin typeface="Microsoft YaHei" panose="020B0503020204020204" pitchFamily="34" charset="-122"/>
+                <a:ea typeface="Microsoft YaHei" panose="020B0503020204020204" pitchFamily="34" charset="-122"/>
+              </a:rPr>
+              <a:t>章节、字数、图表</a:t>
+            </a:r>
+            <a:endParaRPr lang="en-US" altLang="zh-CN" dirty="0">
+              <a:solidFill>
+                <a:srgbClr val="000000"/>
+              </a:solidFill>
+              <a:latin typeface="Microsoft YaHei" panose="020B0503020204020204" pitchFamily="34" charset="-122"/>
+              <a:ea typeface="Microsoft YaHei" panose="020B0503020204020204" pitchFamily="34" charset="-122"/>
+            </a:endParaRPr>
+          </a:p>
+          <a:p>
+            <a:pPr marL="742950" lvl="1" indent="-285750">
+              <a:lnSpc>
+                <a:spcPct val="150000"/>
+              </a:lnSpc>
+              <a:buFont typeface="Arial" panose="020B0604020202020204" pitchFamily="34" charset="0"/>
+              <a:buChar char="•"/>
+            </a:pPr>
+            <a:r>
+              <a:rPr lang="zh-CN" altLang="en-US" dirty="0">
+                <a:solidFill>
+                  <a:srgbClr val="000000"/>
+                </a:solidFill>
+                <a:latin typeface="Microsoft YaHei" panose="020B0503020204020204" pitchFamily="34" charset="-122"/>
+                <a:ea typeface="Microsoft YaHei" panose="020B0503020204020204" pitchFamily="34" charset="-122"/>
+              </a:rPr>
+              <a:t>具体的工作任务计数</a:t>
+            </a:r>
+            <a:endParaRPr lang="en-US" altLang="zh-CN" dirty="0">
+              <a:solidFill>
+                <a:srgbClr val="000000"/>
+              </a:solidFill>
+              <a:latin typeface="Microsoft YaHei" panose="020B0503020204020204" pitchFamily="34" charset="-122"/>
+              <a:ea typeface="Microsoft YaHei" panose="020B0503020204020204" pitchFamily="34" charset="-122"/>
+            </a:endParaRPr>
+          </a:p>
+          <a:p>
+            <a:pPr marL="742950" lvl="1" indent="-285750">
+              <a:lnSpc>
+                <a:spcPct val="150000"/>
+              </a:lnSpc>
+              <a:buFont typeface="Arial" panose="020B0604020202020204" pitchFamily="34" charset="0"/>
+              <a:buChar char="•"/>
+            </a:pPr>
+            <a:r>
+              <a:rPr lang="zh-CN" altLang="en-US" dirty="0">
+                <a:solidFill>
+                  <a:srgbClr val="000000"/>
+                </a:solidFill>
+                <a:latin typeface="Microsoft YaHei" panose="020B0503020204020204" pitchFamily="34" charset="-122"/>
+                <a:ea typeface="Microsoft YaHei" panose="020B0503020204020204" pitchFamily="34" charset="-122"/>
+              </a:rPr>
+              <a:t>难度估计</a:t>
+            </a:r>
+            <a:endParaRPr lang="en-US" altLang="zh-CN" dirty="0">
+              <a:solidFill>
+                <a:srgbClr val="000000"/>
+              </a:solidFill>
+              <a:latin typeface="Microsoft YaHei" panose="020B0503020204020204" pitchFamily="34" charset="-122"/>
+              <a:ea typeface="Microsoft YaHei" panose="020B0503020204020204" pitchFamily="34" charset="-122"/>
+            </a:endParaRPr>
+          </a:p>
+          <a:p>
+            <a:pPr marL="742950" lvl="1" indent="-285750">
+              <a:lnSpc>
+                <a:spcPct val="150000"/>
+              </a:lnSpc>
+              <a:buFont typeface="Arial" panose="020B0604020202020204" pitchFamily="34" charset="0"/>
+              <a:buChar char="•"/>
+            </a:pPr>
+            <a:r>
+              <a:rPr lang="en-US" altLang="zh-CN" dirty="0">
+                <a:solidFill>
+                  <a:srgbClr val="000000"/>
+                </a:solidFill>
+                <a:latin typeface="Microsoft YaHei" panose="020B0503020204020204" pitchFamily="34" charset="-122"/>
+                <a:ea typeface="Microsoft YaHei" panose="020B0503020204020204" pitchFamily="34" charset="-122"/>
+              </a:rPr>
+              <a:t>…</a:t>
+            </a:r>
+          </a:p>
+          <a:p>
+            <a:pPr marL="285750" indent="-285750">
+              <a:lnSpc>
+                <a:spcPct val="150000"/>
+              </a:lnSpc>
+              <a:buFont typeface="Arial" panose="020B0604020202020204" pitchFamily="34" charset="0"/>
+              <a:buChar char="•"/>
+            </a:pPr>
+            <a:r>
+              <a:rPr lang="zh-CN" altLang="en-US" dirty="0">
+                <a:solidFill>
+                  <a:srgbClr val="000000"/>
+                </a:solidFill>
+                <a:latin typeface="Microsoft YaHei" panose="020B0503020204020204" pitchFamily="34" charset="-122"/>
+                <a:ea typeface="Microsoft YaHei" panose="020B0503020204020204" pitchFamily="34" charset="-122"/>
+              </a:rPr>
+              <a:t>代码工作进度的评价标准：</a:t>
+            </a:r>
+            <a:endParaRPr lang="en-US" altLang="zh-CN" dirty="0">
+              <a:solidFill>
+                <a:srgbClr val="000000"/>
+              </a:solidFill>
+              <a:latin typeface="Microsoft YaHei" panose="020B0503020204020204" pitchFamily="34" charset="-122"/>
+              <a:ea typeface="Microsoft YaHei" panose="020B0503020204020204" pitchFamily="34" charset="-122"/>
+            </a:endParaRPr>
+          </a:p>
+          <a:p>
+            <a:pPr marL="742950" lvl="1" indent="-285750">
+              <a:lnSpc>
+                <a:spcPct val="150000"/>
+              </a:lnSpc>
+              <a:buFont typeface="Arial" panose="020B0604020202020204" pitchFamily="34" charset="0"/>
+              <a:buChar char="•"/>
+            </a:pPr>
+            <a:r>
+              <a:rPr lang="zh-CN" altLang="en-US" dirty="0">
+                <a:solidFill>
+                  <a:srgbClr val="000000"/>
+                </a:solidFill>
+                <a:latin typeface="Microsoft YaHei" panose="020B0503020204020204" pitchFamily="34" charset="-122"/>
+                <a:ea typeface="Microsoft YaHei" panose="020B0503020204020204" pitchFamily="34" charset="-122"/>
+              </a:rPr>
+              <a:t>代码行数</a:t>
+            </a:r>
+            <a:endParaRPr lang="en-US" altLang="zh-CN" dirty="0">
+              <a:solidFill>
+                <a:srgbClr val="000000"/>
+              </a:solidFill>
+              <a:latin typeface="Microsoft YaHei" panose="020B0503020204020204" pitchFamily="34" charset="-122"/>
+              <a:ea typeface="Microsoft YaHei" panose="020B0503020204020204" pitchFamily="34" charset="-122"/>
+            </a:endParaRPr>
+          </a:p>
+          <a:p>
+            <a:pPr marL="742950" lvl="1" indent="-285750">
+              <a:lnSpc>
+                <a:spcPct val="150000"/>
+              </a:lnSpc>
+              <a:buFont typeface="Arial" panose="020B0604020202020204" pitchFamily="34" charset="0"/>
+              <a:buChar char="•"/>
+            </a:pPr>
+            <a:r>
+              <a:rPr lang="zh-CN" altLang="en-US" dirty="0">
+                <a:solidFill>
+                  <a:srgbClr val="000000"/>
+                </a:solidFill>
+                <a:latin typeface="Microsoft YaHei" panose="020B0503020204020204" pitchFamily="34" charset="-122"/>
+                <a:ea typeface="Microsoft YaHei" panose="020B0503020204020204" pitchFamily="34" charset="-122"/>
+              </a:rPr>
+              <a:t>完成功能数</a:t>
+            </a:r>
+            <a:endParaRPr lang="en-US" altLang="zh-CN" dirty="0">
+              <a:solidFill>
+                <a:srgbClr val="000000"/>
+              </a:solidFill>
+              <a:latin typeface="Microsoft YaHei" panose="020B0503020204020204" pitchFamily="34" charset="-122"/>
+              <a:ea typeface="Microsoft YaHei" panose="020B0503020204020204" pitchFamily="34" charset="-122"/>
+            </a:endParaRPr>
+          </a:p>
+          <a:p>
+            <a:pPr marL="742950" lvl="1" indent="-285750">
+              <a:lnSpc>
+                <a:spcPct val="150000"/>
+              </a:lnSpc>
+              <a:buFont typeface="Arial" panose="020B0604020202020204" pitchFamily="34" charset="0"/>
+              <a:buChar char="•"/>
+            </a:pPr>
+            <a:r>
+              <a:rPr lang="zh-CN" altLang="en-US" dirty="0">
+                <a:solidFill>
+                  <a:srgbClr val="000000"/>
+                </a:solidFill>
+                <a:latin typeface="Microsoft YaHei" panose="020B0503020204020204" pitchFamily="34" charset="-122"/>
+                <a:ea typeface="Microsoft YaHei" panose="020B0503020204020204" pitchFamily="34" charset="-122"/>
+              </a:rPr>
+              <a:t>互评代码质量</a:t>
+            </a:r>
+            <a:endParaRPr lang="en-US" altLang="zh-CN" dirty="0">
+              <a:solidFill>
+                <a:srgbClr val="000000"/>
+              </a:solidFill>
+              <a:latin typeface="Microsoft YaHei" panose="020B0503020204020204" pitchFamily="34" charset="-122"/>
+              <a:ea typeface="Microsoft YaHei" panose="020B0503020204020204" pitchFamily="34" charset="-122"/>
+            </a:endParaRPr>
+          </a:p>
+          <a:p>
+            <a:pPr marL="742950" lvl="1" indent="-285750">
+              <a:lnSpc>
+                <a:spcPct val="150000"/>
+              </a:lnSpc>
+              <a:buFont typeface="Arial" panose="020B0604020202020204" pitchFamily="34" charset="0"/>
+              <a:buChar char="•"/>
+            </a:pPr>
+            <a:r>
+              <a:rPr lang="en-US" altLang="zh-CN" dirty="0">
+                <a:solidFill>
+                  <a:srgbClr val="000000"/>
+                </a:solidFill>
+                <a:effectLst/>
+                <a:latin typeface="Microsoft YaHei" panose="020B0503020204020204" pitchFamily="34" charset="-122"/>
+                <a:ea typeface="Microsoft YaHei" panose="020B0503020204020204" pitchFamily="34" charset="-122"/>
+              </a:rPr>
+              <a:t>…</a:t>
+            </a:r>
+            <a:endParaRPr lang="en-US" altLang="zh-CN" dirty="0">
+              <a:solidFill>
+                <a:srgbClr val="000000"/>
+              </a:solidFill>
+              <a:latin typeface="Microsoft YaHei" panose="020B0503020204020204" pitchFamily="34" charset="-122"/>
+              <a:ea typeface="Microsoft YaHei" panose="020B0503020204020204" pitchFamily="34" charset="-122"/>
+            </a:endParaRPr>
+          </a:p>
+          <a:p>
+            <a:pPr marL="742950" lvl="1" indent="-285750">
+              <a:lnSpc>
+                <a:spcPct val="150000"/>
+              </a:lnSpc>
+              <a:buFont typeface="Arial" panose="020B0604020202020204" pitchFamily="34" charset="0"/>
+              <a:buChar char="•"/>
+            </a:pPr>
+            <a:endParaRPr lang="zh-CN" altLang="en-US" dirty="0">
+              <a:solidFill>
+                <a:srgbClr val="000000"/>
+              </a:solidFill>
+              <a:effectLst/>
+              <a:latin typeface="Microsoft YaHei" panose="020B0503020204020204" pitchFamily="34" charset="-122"/>
+              <a:ea typeface="Microsoft YaHei" panose="020B0503020204020204" pitchFamily="34" charset="-122"/>
+            </a:endParaRPr>
+          </a:p>
+        </p:txBody>
+      </p:sp>
+      <p:sp>
+        <p:nvSpPr>
+          <p:cNvPr id="4" name="矩形 3">
+            <a:extLst>
+              <a:ext uri="{FF2B5EF4-FFF2-40B4-BE49-F238E27FC236}">
+                <a16:creationId xmlns:a16="http://schemas.microsoft.com/office/drawing/2014/main" id="{D326742B-B215-7D43-8F1D-5BE385A840A6}"/>
+              </a:ext>
+            </a:extLst>
+          </p:cNvPr>
+          <p:cNvSpPr/>
+          <p:nvPr/>
+        </p:nvSpPr>
+        <p:spPr>
+          <a:xfrm>
+            <a:off x="6325906" y="1936897"/>
+            <a:ext cx="6092825" cy="2120902"/>
+          </a:xfrm>
+          <a:prstGeom prst="rect">
+            <a:avLst/>
+          </a:prstGeom>
+        </p:spPr>
+        <p:txBody>
+          <a:bodyPr>
+            <a:spAutoFit/>
+          </a:bodyPr>
+          <a:lstStyle/>
+          <a:p>
+            <a:pPr marL="742950" lvl="1" indent="-285750">
+              <a:lnSpc>
+                <a:spcPct val="150000"/>
+              </a:lnSpc>
+              <a:buFont typeface="Arial" panose="020B0604020202020204" pitchFamily="34" charset="0"/>
+              <a:buChar char="•"/>
+            </a:pPr>
+            <a:r>
+              <a:rPr lang="zh-CN" altLang="en-US" dirty="0">
+                <a:solidFill>
+                  <a:srgbClr val="000000"/>
+                </a:solidFill>
+                <a:latin typeface="Microsoft YaHei" panose="020B0503020204020204" pitchFamily="34" charset="-122"/>
+                <a:ea typeface="Microsoft YaHei" panose="020B0503020204020204" pitchFamily="34" charset="-122"/>
+              </a:rPr>
+              <a:t>对客观的工作量，进行权重占比分配</a:t>
+            </a:r>
+            <a:endParaRPr lang="en-US" altLang="zh-CN" dirty="0">
+              <a:solidFill>
+                <a:srgbClr val="000000"/>
+              </a:solidFill>
+              <a:latin typeface="Microsoft YaHei" panose="020B0503020204020204" pitchFamily="34" charset="-122"/>
+              <a:ea typeface="Microsoft YaHei" panose="020B0503020204020204" pitchFamily="34" charset="-122"/>
+            </a:endParaRPr>
+          </a:p>
+          <a:p>
+            <a:pPr marL="742950" lvl="1" indent="-285750">
+              <a:lnSpc>
+                <a:spcPct val="150000"/>
+              </a:lnSpc>
+              <a:buFont typeface="Arial" panose="020B0604020202020204" pitchFamily="34" charset="0"/>
+              <a:buChar char="•"/>
+            </a:pPr>
+            <a:r>
+              <a:rPr lang="zh-CN" altLang="en-US" dirty="0">
+                <a:solidFill>
+                  <a:srgbClr val="000000"/>
+                </a:solidFill>
+                <a:latin typeface="Microsoft YaHei" panose="020B0503020204020204" pitchFamily="34" charset="-122"/>
+                <a:ea typeface="Microsoft YaHei" panose="020B0503020204020204" pitchFamily="34" charset="-122"/>
+              </a:rPr>
+              <a:t>对主观的工作量，进行系数的讨论确定</a:t>
+            </a:r>
+            <a:endParaRPr lang="en-US" altLang="zh-CN" dirty="0">
+              <a:solidFill>
+                <a:srgbClr val="000000"/>
+              </a:solidFill>
+              <a:latin typeface="Microsoft YaHei" panose="020B0503020204020204" pitchFamily="34" charset="-122"/>
+              <a:ea typeface="Microsoft YaHei" panose="020B0503020204020204" pitchFamily="34" charset="-122"/>
+            </a:endParaRPr>
+          </a:p>
+          <a:p>
+            <a:pPr marL="742950" lvl="1" indent="-285750">
+              <a:lnSpc>
+                <a:spcPct val="150000"/>
+              </a:lnSpc>
+              <a:buFont typeface="Arial" panose="020B0604020202020204" pitchFamily="34" charset="0"/>
+              <a:buChar char="•"/>
+            </a:pPr>
+            <a:r>
+              <a:rPr lang="zh-CN" altLang="en-US" dirty="0">
+                <a:solidFill>
+                  <a:srgbClr val="000000"/>
+                </a:solidFill>
+                <a:latin typeface="Microsoft YaHei" panose="020B0503020204020204" pitchFamily="34" charset="-122"/>
+                <a:ea typeface="Microsoft YaHei" panose="020B0503020204020204" pitchFamily="34" charset="-122"/>
+              </a:rPr>
+              <a:t>对总体任务进行权重分配</a:t>
+            </a:r>
+            <a:endParaRPr lang="en-US" altLang="zh-CN" dirty="0">
+              <a:solidFill>
+                <a:srgbClr val="000000"/>
+              </a:solidFill>
+              <a:latin typeface="Microsoft YaHei" panose="020B0503020204020204" pitchFamily="34" charset="-122"/>
+              <a:ea typeface="Microsoft YaHei" panose="020B0503020204020204" pitchFamily="34" charset="-122"/>
+            </a:endParaRPr>
+          </a:p>
+          <a:p>
+            <a:pPr marL="742950" lvl="1" indent="-285750">
+              <a:lnSpc>
+                <a:spcPct val="150000"/>
+              </a:lnSpc>
+              <a:buFont typeface="Arial" panose="020B0604020202020204" pitchFamily="34" charset="0"/>
+              <a:buChar char="•"/>
+            </a:pPr>
+            <a:r>
+              <a:rPr lang="zh-CN" altLang="en-US" dirty="0">
+                <a:solidFill>
+                  <a:srgbClr val="000000"/>
+                </a:solidFill>
+                <a:latin typeface="Microsoft YaHei" panose="020B0503020204020204" pitchFamily="34" charset="-122"/>
+                <a:ea typeface="Microsoft YaHei" panose="020B0503020204020204" pitchFamily="34" charset="-122"/>
+              </a:rPr>
+              <a:t>惩罚系数：初始</a:t>
+            </a:r>
+            <a:r>
+              <a:rPr lang="en-US" altLang="zh-CN" dirty="0">
+                <a:solidFill>
+                  <a:srgbClr val="000000"/>
+                </a:solidFill>
+                <a:latin typeface="Microsoft YaHei" panose="020B0503020204020204" pitchFamily="34" charset="-122"/>
+                <a:ea typeface="Microsoft YaHei" panose="020B0503020204020204" pitchFamily="34" charset="-122"/>
+              </a:rPr>
+              <a:t>100%</a:t>
+            </a:r>
+            <a:r>
+              <a:rPr lang="zh-CN" altLang="en-US" dirty="0">
+                <a:solidFill>
+                  <a:srgbClr val="000000"/>
+                </a:solidFill>
+                <a:latin typeface="Microsoft YaHei" panose="020B0503020204020204" pitchFamily="34" charset="-122"/>
+                <a:ea typeface="Microsoft YaHei" panose="020B0503020204020204" pitchFamily="34" charset="-122"/>
+              </a:rPr>
+              <a:t>，每延迟</a:t>
+            </a:r>
+            <a:r>
+              <a:rPr lang="en-US" altLang="zh-CN" dirty="0">
+                <a:solidFill>
+                  <a:srgbClr val="000000"/>
+                </a:solidFill>
+                <a:latin typeface="Microsoft YaHei" panose="020B0503020204020204" pitchFamily="34" charset="-122"/>
+                <a:ea typeface="Microsoft YaHei" panose="020B0503020204020204" pitchFamily="34" charset="-122"/>
+              </a:rPr>
+              <a:t>1</a:t>
+            </a:r>
+            <a:r>
+              <a:rPr lang="zh-CN" altLang="en-US" dirty="0">
+                <a:solidFill>
+                  <a:srgbClr val="000000"/>
+                </a:solidFill>
+                <a:latin typeface="Microsoft YaHei" panose="020B0503020204020204" pitchFamily="34" charset="-122"/>
+                <a:ea typeface="Microsoft YaHei" panose="020B0503020204020204" pitchFamily="34" charset="-122"/>
+              </a:rPr>
+              <a:t>个任务，减少</a:t>
+            </a:r>
+            <a:r>
+              <a:rPr lang="en-US" altLang="zh-CN" dirty="0">
+                <a:solidFill>
+                  <a:srgbClr val="000000"/>
+                </a:solidFill>
+                <a:latin typeface="Microsoft YaHei" panose="020B0503020204020204" pitchFamily="34" charset="-122"/>
+                <a:ea typeface="Microsoft YaHei" panose="020B0503020204020204" pitchFamily="34" charset="-122"/>
+              </a:rPr>
+              <a:t>1%</a:t>
+            </a:r>
+          </a:p>
+          <a:p>
+            <a:pPr marL="742950" lvl="1" indent="-285750">
+              <a:lnSpc>
+                <a:spcPct val="150000"/>
+              </a:lnSpc>
+              <a:buFont typeface="Arial" panose="020B0604020202020204" pitchFamily="34" charset="0"/>
+              <a:buChar char="•"/>
+            </a:pPr>
+            <a:endParaRPr lang="en-US" altLang="zh-CN" dirty="0">
+              <a:solidFill>
+                <a:srgbClr val="000000"/>
+              </a:solidFill>
+              <a:latin typeface="Microsoft YaHei" panose="020B0503020204020204" pitchFamily="34" charset="-122"/>
+              <a:ea typeface="Microsoft YaHei" panose="020B0503020204020204" pitchFamily="34" charset="-122"/>
+            </a:endParaRPr>
+          </a:p>
+        </p:txBody>
+      </p:sp>
+      <p:cxnSp>
+        <p:nvCxnSpPr>
+          <p:cNvPr id="6" name="直线连接符 5">
+            <a:extLst>
+              <a:ext uri="{FF2B5EF4-FFF2-40B4-BE49-F238E27FC236}">
+                <a16:creationId xmlns:a16="http://schemas.microsoft.com/office/drawing/2014/main" id="{C4605688-D818-A847-B471-72A6ED3036E2}"/>
+              </a:ext>
+            </a:extLst>
+          </p:cNvPr>
+          <p:cNvCxnSpPr>
+            <a:cxnSpLocks/>
+          </p:cNvCxnSpPr>
+          <p:nvPr/>
+        </p:nvCxnSpPr>
+        <p:spPr>
+          <a:xfrm>
+            <a:off x="5862919" y="878050"/>
+            <a:ext cx="0" cy="5374832"/>
+          </a:xfrm>
+          <a:prstGeom prst="line">
+            <a:avLst/>
+          </a:prstGeom>
+        </p:spPr>
+        <p:style>
+          <a:lnRef idx="1">
+            <a:schemeClr val="accent1"/>
+          </a:lnRef>
+          <a:fillRef idx="0">
+            <a:schemeClr val="accent1"/>
+          </a:fillRef>
+          <a:effectRef idx="0">
+            <a:schemeClr val="accent1"/>
+          </a:effectRef>
+          <a:fontRef idx="minor">
+            <a:schemeClr val="tx1"/>
+          </a:fontRef>
+        </p:style>
+      </p:cxnSp>
+      <p:sp>
+        <p:nvSpPr>
+          <p:cNvPr id="7" name="矩形 6">
+            <a:extLst>
+              <a:ext uri="{FF2B5EF4-FFF2-40B4-BE49-F238E27FC236}">
+                <a16:creationId xmlns:a16="http://schemas.microsoft.com/office/drawing/2014/main" id="{E8FF5044-876A-F549-923A-1108B0F2474A}"/>
+              </a:ext>
+            </a:extLst>
+          </p:cNvPr>
+          <p:cNvSpPr/>
+          <p:nvPr/>
+        </p:nvSpPr>
+        <p:spPr>
+          <a:xfrm>
+            <a:off x="6094412" y="1310831"/>
+            <a:ext cx="3262432" cy="581057"/>
+          </a:xfrm>
+          <a:prstGeom prst="rect">
+            <a:avLst/>
+          </a:prstGeom>
+        </p:spPr>
+        <p:txBody>
+          <a:bodyPr wrap="none">
+            <a:spAutoFit/>
+          </a:bodyPr>
+          <a:lstStyle/>
+          <a:p>
+            <a:pPr>
+              <a:lnSpc>
+                <a:spcPct val="150000"/>
+              </a:lnSpc>
+            </a:pPr>
+            <a:r>
+              <a:rPr lang="zh-CN" altLang="en-US" sz="2400" dirty="0">
+                <a:solidFill>
+                  <a:srgbClr val="000000"/>
+                </a:solidFill>
+                <a:latin typeface="Microsoft YaHei" panose="020B0503020204020204" pitchFamily="34" charset="-122"/>
+                <a:ea typeface="Microsoft YaHei" panose="020B0503020204020204" pitchFamily="34" charset="-122"/>
+              </a:rPr>
+              <a:t>权重分配和系数确定：</a:t>
+            </a:r>
+            <a:endParaRPr lang="en-US" altLang="zh-CN" sz="2400" dirty="0">
+              <a:solidFill>
+                <a:srgbClr val="000000"/>
+              </a:solidFill>
+              <a:latin typeface="Microsoft YaHei" panose="020B0503020204020204" pitchFamily="34" charset="-122"/>
+              <a:ea typeface="Microsoft YaHei" panose="020B0503020204020204" pitchFamily="34" charset="-122"/>
+            </a:endParaRPr>
+          </a:p>
+        </p:txBody>
+      </p:sp>
+      <p:sp>
+        <p:nvSpPr>
+          <p:cNvPr id="8" name="矩形 7">
+            <a:extLst>
+              <a:ext uri="{FF2B5EF4-FFF2-40B4-BE49-F238E27FC236}">
+                <a16:creationId xmlns:a16="http://schemas.microsoft.com/office/drawing/2014/main" id="{FB48C4E6-E3E1-5541-A4DD-CEA1F4A074E1}"/>
+              </a:ext>
+            </a:extLst>
+          </p:cNvPr>
+          <p:cNvSpPr/>
+          <p:nvPr/>
+        </p:nvSpPr>
+        <p:spPr>
+          <a:xfrm>
+            <a:off x="308041" y="1321045"/>
+            <a:ext cx="1723549" cy="581057"/>
+          </a:xfrm>
+          <a:prstGeom prst="rect">
+            <a:avLst/>
+          </a:prstGeom>
+        </p:spPr>
+        <p:txBody>
+          <a:bodyPr wrap="none">
+            <a:spAutoFit/>
+          </a:bodyPr>
+          <a:lstStyle/>
+          <a:p>
+            <a:pPr>
+              <a:lnSpc>
+                <a:spcPct val="150000"/>
+              </a:lnSpc>
+            </a:pPr>
+            <a:r>
+              <a:rPr lang="zh-CN" altLang="en-US" sz="2400" dirty="0">
+                <a:solidFill>
+                  <a:srgbClr val="000000"/>
+                </a:solidFill>
+                <a:latin typeface="Microsoft YaHei" panose="020B0503020204020204" pitchFamily="34" charset="-122"/>
+                <a:ea typeface="Microsoft YaHei" panose="020B0503020204020204" pitchFamily="34" charset="-122"/>
+              </a:rPr>
+              <a:t>评价标准：</a:t>
+            </a:r>
+            <a:endParaRPr lang="en-US" altLang="zh-CN" sz="2400" dirty="0">
+              <a:solidFill>
+                <a:srgbClr val="000000"/>
+              </a:solidFill>
+              <a:latin typeface="Microsoft YaHei" panose="020B0503020204020204" pitchFamily="34" charset="-122"/>
+              <a:ea typeface="Microsoft YaHei" panose="020B0503020204020204" pitchFamily="34" charset="-122"/>
+            </a:endParaRPr>
+          </a:p>
+        </p:txBody>
+      </p:sp>
+      <p:sp>
+        <p:nvSpPr>
+          <p:cNvPr id="11" name="矩形 10">
+            <a:extLst>
+              <a:ext uri="{FF2B5EF4-FFF2-40B4-BE49-F238E27FC236}">
+                <a16:creationId xmlns:a16="http://schemas.microsoft.com/office/drawing/2014/main" id="{5E0764ED-8012-E948-9A99-0EDA3FCCBFFC}"/>
+              </a:ext>
+            </a:extLst>
+          </p:cNvPr>
+          <p:cNvSpPr/>
+          <p:nvPr/>
+        </p:nvSpPr>
+        <p:spPr>
+          <a:xfrm>
+            <a:off x="6159994" y="4145145"/>
+            <a:ext cx="1723549" cy="581057"/>
+          </a:xfrm>
+          <a:prstGeom prst="rect">
+            <a:avLst/>
+          </a:prstGeom>
+        </p:spPr>
+        <p:txBody>
+          <a:bodyPr wrap="none">
+            <a:spAutoFit/>
+          </a:bodyPr>
+          <a:lstStyle/>
+          <a:p>
+            <a:pPr>
+              <a:lnSpc>
+                <a:spcPct val="150000"/>
+              </a:lnSpc>
+            </a:pPr>
+            <a:r>
+              <a:rPr lang="zh-CN" altLang="en-US" sz="2400" dirty="0">
+                <a:solidFill>
+                  <a:srgbClr val="000000"/>
+                </a:solidFill>
+                <a:latin typeface="Microsoft YaHei" panose="020B0503020204020204" pitchFamily="34" charset="-122"/>
+                <a:ea typeface="Microsoft YaHei" panose="020B0503020204020204" pitchFamily="34" charset="-122"/>
+              </a:rPr>
+              <a:t>最终公式：</a:t>
+            </a:r>
+            <a:endParaRPr lang="en-US" altLang="zh-CN" sz="2400" dirty="0">
+              <a:solidFill>
+                <a:srgbClr val="000000"/>
+              </a:solidFill>
+              <a:latin typeface="Microsoft YaHei" panose="020B0503020204020204" pitchFamily="34" charset="-122"/>
+              <a:ea typeface="Microsoft YaHei" panose="020B0503020204020204" pitchFamily="34" charset="-122"/>
+            </a:endParaRPr>
+          </a:p>
+        </p:txBody>
+      </p:sp>
+      <mc:AlternateContent xmlns:mc="http://schemas.openxmlformats.org/markup-compatibility/2006">
+        <mc:Choice xmlns:a14="http://schemas.microsoft.com/office/drawing/2010/main" Requires="a14">
+          <p:sp>
+            <p:nvSpPr>
+              <p:cNvPr id="12" name="文本框 11">
+                <a:extLst>
+                  <a:ext uri="{FF2B5EF4-FFF2-40B4-BE49-F238E27FC236}">
+                    <a16:creationId xmlns:a16="http://schemas.microsoft.com/office/drawing/2014/main" id="{2EF4BFC4-59E8-7E46-9C63-066F920397ED}"/>
+                  </a:ext>
+                </a:extLst>
+              </p:cNvPr>
+              <p:cNvSpPr txBox="1"/>
+              <p:nvPr/>
+            </p:nvSpPr>
+            <p:spPr>
+              <a:xfrm>
+                <a:off x="5359030" y="4818715"/>
+                <a:ext cx="5788575" cy="556499"/>
+              </a:xfrm>
+              <a:prstGeom prst="rect">
+                <a:avLst/>
+              </a:prstGeom>
+              <a:noFill/>
+            </p:spPr>
+            <p:txBody>
+              <a:bodyPr wrap="square" lIns="0" tIns="0" rIns="0" bIns="0" rtlCol="0">
+                <a:spAutoFit/>
+              </a:bodyPr>
+              <a:lstStyle/>
+              <a:p>
+                <a14:m>
+                  <m:oMathPara xmlns:m="http://schemas.openxmlformats.org/officeDocument/2006/math">
+                    <m:oMathParaPr>
+                      <m:jc m:val="centerGroup"/>
+                    </m:oMathParaPr>
+                    <m:oMath xmlns:m="http://schemas.openxmlformats.org/officeDocument/2006/math">
+                      <m:r>
+                        <a:rPr lang="zh-CN" altLang="en-US" i="1" dirty="0" smtClean="0">
+                          <a:latin typeface="Cambria Math" panose="02040503050406030204" pitchFamily="18" charset="0"/>
+                          <a:ea typeface="Microsoft YaHei" panose="020B0503020204020204" pitchFamily="34" charset="-122"/>
+                        </a:rPr>
+                        <m:t>总评价</m:t>
+                      </m:r>
+                      <m:r>
+                        <a:rPr lang="en-US" altLang="zh-CN" b="0" i="1" dirty="0" smtClean="0">
+                          <a:latin typeface="Cambria Math" panose="02040503050406030204" pitchFamily="18" charset="0"/>
+                          <a:ea typeface="Microsoft YaHei" panose="020B0503020204020204" pitchFamily="34" charset="-122"/>
+                        </a:rPr>
+                        <m:t>=</m:t>
+                      </m:r>
+                      <m:r>
+                        <a:rPr lang="zh-CN" altLang="en-US" i="1" dirty="0">
+                          <a:latin typeface="Cambria Math" panose="02040503050406030204" pitchFamily="18" charset="0"/>
+                          <a:ea typeface="Microsoft YaHei" panose="020B0503020204020204" pitchFamily="34" charset="-122"/>
+                        </a:rPr>
+                        <m:t>总</m:t>
+                      </m:r>
+                      <m:r>
+                        <m:rPr>
+                          <m:nor/>
+                        </m:rPr>
+                        <a:rPr lang="zh-CN" altLang="en-US" dirty="0">
+                          <a:latin typeface="Microsoft YaHei" panose="020B0503020204020204" pitchFamily="34" charset="-122"/>
+                          <a:ea typeface="Microsoft YaHei" panose="020B0503020204020204" pitchFamily="34" charset="-122"/>
+                        </a:rPr>
+                        <m:t>任务进度权重</m:t>
+                      </m:r>
+                    </m:oMath>
+                  </m:oMathPara>
+                </a14:m>
+                <a:endParaRPr lang="en-US" altLang="zh-CN" dirty="0">
+                  <a:latin typeface="Microsoft YaHei" panose="020B0503020204020204" pitchFamily="34" charset="-122"/>
+                  <a:ea typeface="Microsoft YaHei" panose="020B0503020204020204" pitchFamily="34" charset="-122"/>
+                </a:endParaRPr>
+              </a:p>
+              <a:p>
+                <a:endParaRPr kumimoji="1" lang="zh-CN" altLang="en-US" dirty="0"/>
+              </a:p>
+            </p:txBody>
+          </p:sp>
+        </mc:Choice>
+        <mc:Fallback>
+          <p:sp>
+            <p:nvSpPr>
+              <p:cNvPr id="12" name="文本框 11">
+                <a:extLst>
+                  <a:ext uri="{FF2B5EF4-FFF2-40B4-BE49-F238E27FC236}">
+                    <a16:creationId xmlns:a16="http://schemas.microsoft.com/office/drawing/2014/main" id="{2EF4BFC4-59E8-7E46-9C63-066F920397ED}"/>
+                  </a:ext>
+                </a:extLst>
+              </p:cNvPr>
+              <p:cNvSpPr txBox="1">
+                <a:spLocks noRot="1" noChangeAspect="1" noMove="1" noResize="1" noEditPoints="1" noAdjustHandles="1" noChangeArrowheads="1" noChangeShapeType="1" noTextEdit="1"/>
+              </p:cNvSpPr>
+              <p:nvPr/>
+            </p:nvSpPr>
+            <p:spPr>
+              <a:xfrm>
+                <a:off x="5359030" y="4818715"/>
+                <a:ext cx="5788575" cy="556499"/>
+              </a:xfrm>
+              <a:prstGeom prst="rect">
+                <a:avLst/>
+              </a:prstGeom>
+              <a:blipFill>
+                <a:blip r:embed="rId2"/>
+                <a:stretch>
+                  <a:fillRect t="-2222"/>
+                </a:stretch>
+              </a:blipFill>
+            </p:spPr>
+            <p:txBody>
+              <a:bodyPr/>
+              <a:lstStyle/>
+              <a:p>
+                <a:r>
+                  <a:rPr lang="zh-CN" altLang="en-US">
+                    <a:noFill/>
+                  </a:rPr>
+                  <a:t> </a:t>
+                </a:r>
+              </a:p>
+            </p:txBody>
+          </p:sp>
+        </mc:Fallback>
+      </mc:AlternateContent>
+      <mc:AlternateContent xmlns:mc="http://schemas.openxmlformats.org/markup-compatibility/2006">
+        <mc:Choice xmlns:a14="http://schemas.microsoft.com/office/drawing/2010/main" Requires="a14">
+          <p:sp>
+            <p:nvSpPr>
+              <p:cNvPr id="14" name="文本框 13">
+                <a:extLst>
+                  <a:ext uri="{FF2B5EF4-FFF2-40B4-BE49-F238E27FC236}">
+                    <a16:creationId xmlns:a16="http://schemas.microsoft.com/office/drawing/2014/main" id="{E6450D71-92EF-BC4C-8A04-57F7F6D7689B}"/>
+                  </a:ext>
+                </a:extLst>
+              </p:cNvPr>
+              <p:cNvSpPr txBox="1"/>
+              <p:nvPr/>
+            </p:nvSpPr>
+            <p:spPr>
+              <a:xfrm>
+                <a:off x="7725628" y="5997630"/>
+                <a:ext cx="396396" cy="276999"/>
+              </a:xfrm>
+              <a:prstGeom prst="rect">
+                <a:avLst/>
+              </a:prstGeom>
+              <a:noFill/>
+            </p:spPr>
+            <p:txBody>
+              <a:bodyPr wrap="square" lIns="0" tIns="0" rIns="0" bIns="0" rtlCol="0">
+                <a:spAutoFit/>
+              </a:bodyPr>
+              <a:lstStyle/>
+              <a:p>
+                <a14:m>
+                  <m:oMathPara xmlns:m="http://schemas.openxmlformats.org/officeDocument/2006/math">
+                    <m:oMathParaPr>
+                      <m:jc m:val="centerGroup"/>
+                    </m:oMathParaPr>
+                    <m:oMath xmlns:m="http://schemas.openxmlformats.org/officeDocument/2006/math">
+                      <m:r>
+                        <a:rPr lang="en-US" altLang="zh-CN" b="1" i="1">
+                          <a:latin typeface="Cambria Math" panose="02040503050406030204" pitchFamily="18" charset="0"/>
+                          <a:ea typeface="Cambria Math" panose="02040503050406030204" pitchFamily="18" charset="0"/>
+                        </a:rPr>
+                        <m:t>×</m:t>
+                      </m:r>
+                    </m:oMath>
+                  </m:oMathPara>
+                </a14:m>
+                <a:endParaRPr lang="zh-CN" altLang="en-US" b="1" i="1" dirty="0">
+                  <a:latin typeface="Microsoft YaHei" panose="020B0503020204020204" pitchFamily="34" charset="-122"/>
+                  <a:ea typeface="Microsoft YaHei" panose="020B0503020204020204" pitchFamily="34" charset="-122"/>
+                </a:endParaRPr>
+              </a:p>
+            </p:txBody>
+          </p:sp>
+        </mc:Choice>
+        <mc:Fallback>
+          <p:sp>
+            <p:nvSpPr>
+              <p:cNvPr id="14" name="文本框 13">
+                <a:extLst>
+                  <a:ext uri="{FF2B5EF4-FFF2-40B4-BE49-F238E27FC236}">
+                    <a16:creationId xmlns:a16="http://schemas.microsoft.com/office/drawing/2014/main" id="{E6450D71-92EF-BC4C-8A04-57F7F6D7689B}"/>
+                  </a:ext>
+                </a:extLst>
+              </p:cNvPr>
+              <p:cNvSpPr txBox="1">
+                <a:spLocks noRot="1" noChangeAspect="1" noMove="1" noResize="1" noEditPoints="1" noAdjustHandles="1" noChangeArrowheads="1" noChangeShapeType="1" noTextEdit="1"/>
+              </p:cNvSpPr>
+              <p:nvPr/>
+            </p:nvSpPr>
+            <p:spPr>
+              <a:xfrm>
+                <a:off x="7725628" y="5997630"/>
+                <a:ext cx="396396" cy="276999"/>
+              </a:xfrm>
+              <a:prstGeom prst="rect">
+                <a:avLst/>
+              </a:prstGeom>
+              <a:blipFill>
+                <a:blip r:embed="rId3"/>
+                <a:stretch>
+                  <a:fillRect/>
+                </a:stretch>
+              </a:blipFill>
+            </p:spPr>
+            <p:txBody>
+              <a:bodyPr/>
+              <a:lstStyle/>
+              <a:p>
+                <a:r>
+                  <a:rPr lang="zh-CN" altLang="en-US">
+                    <a:noFill/>
+                  </a:rPr>
+                  <a:t> </a:t>
+                </a:r>
+              </a:p>
+            </p:txBody>
+          </p:sp>
+        </mc:Fallback>
+      </mc:AlternateContent>
+      <mc:AlternateContent xmlns:mc="http://schemas.openxmlformats.org/markup-compatibility/2006">
+        <mc:Choice xmlns:a14="http://schemas.microsoft.com/office/drawing/2010/main" Requires="a14">
+          <p:sp>
+            <p:nvSpPr>
+              <p:cNvPr id="15" name="矩形 14">
+                <a:extLst>
+                  <a:ext uri="{FF2B5EF4-FFF2-40B4-BE49-F238E27FC236}">
+                    <a16:creationId xmlns:a16="http://schemas.microsoft.com/office/drawing/2014/main" id="{F15F5D87-9248-A644-AD65-48B576494AA0}"/>
+                  </a:ext>
+                </a:extLst>
+              </p:cNvPr>
+              <p:cNvSpPr/>
+              <p:nvPr/>
+            </p:nvSpPr>
+            <p:spPr>
+              <a:xfrm>
+                <a:off x="7725628" y="5165654"/>
+                <a:ext cx="3894849" cy="763029"/>
+              </a:xfrm>
+              <a:prstGeom prst="rect">
+                <a:avLst/>
+              </a:prstGeom>
+            </p:spPr>
+            <p:txBody>
+              <a:bodyPr wrap="none">
+                <a:spAutoFit/>
+              </a:bodyPr>
+              <a:lstStyle/>
+              <a:p>
+                <a14:m>
+                  <m:oMathPara xmlns:m="http://schemas.openxmlformats.org/officeDocument/2006/math">
+                    <m:oMathParaPr>
+                      <m:jc m:val="centerGroup"/>
+                    </m:oMathParaPr>
+                    <m:oMath xmlns:m="http://schemas.openxmlformats.org/officeDocument/2006/math">
+                      <m:r>
+                        <a:rPr lang="en-US" altLang="zh-CN" i="1" dirty="0" smtClean="0">
+                          <a:latin typeface="Cambria Math" panose="02040503050406030204" pitchFamily="18" charset="0"/>
+                          <a:ea typeface="Cambria Math" panose="02040503050406030204" pitchFamily="18" charset="0"/>
+                        </a:rPr>
+                        <m:t>×</m:t>
+                      </m:r>
+                      <m:nary>
+                        <m:naryPr>
+                          <m:chr m:val="∑"/>
+                          <m:subHide m:val="on"/>
+                          <m:supHide m:val="on"/>
+                          <m:ctrlPr>
+                            <a:rPr lang="zh-CN" altLang="en-US" i="1" dirty="0">
+                              <a:latin typeface="Cambria Math" panose="02040503050406030204" pitchFamily="18" charset="0"/>
+                              <a:ea typeface="Microsoft YaHei" panose="020B0503020204020204" pitchFamily="34" charset="-122"/>
+                            </a:rPr>
+                          </m:ctrlPr>
+                        </m:naryPr>
+                        <m:sub/>
+                        <m:sup/>
+                        <m:e>
+                          <m:r>
+                            <a:rPr lang="zh-CN" altLang="en-US" b="0" i="1" dirty="0" smtClean="0">
+                              <a:latin typeface="Cambria Math" panose="02040503050406030204" pitchFamily="18" charset="0"/>
+                              <a:ea typeface="Microsoft YaHei" panose="020B0503020204020204" pitchFamily="34" charset="-122"/>
+                            </a:rPr>
+                            <m:t>（</m:t>
+                          </m:r>
+                          <m:r>
+                            <m:rPr>
+                              <m:nor/>
+                            </m:rPr>
+                            <a:rPr lang="zh-CN" altLang="en-US" dirty="0">
+                              <a:latin typeface="Microsoft YaHei" panose="020B0503020204020204" pitchFamily="34" charset="-122"/>
+                              <a:ea typeface="Microsoft YaHei" panose="020B0503020204020204" pitchFamily="34" charset="-122"/>
+                            </a:rPr>
+                            <m:t>评分项权重</m:t>
+                          </m:r>
+                          <m:r>
+                            <a:rPr lang="en-US" altLang="zh-CN" i="1" dirty="0">
+                              <a:latin typeface="Cambria Math" panose="02040503050406030204" pitchFamily="18" charset="0"/>
+                              <a:ea typeface="Cambria Math" panose="02040503050406030204" pitchFamily="18" charset="0"/>
+                            </a:rPr>
+                            <m:t>×</m:t>
+                          </m:r>
+                          <m:r>
+                            <m:rPr>
+                              <m:nor/>
+                            </m:rPr>
+                            <a:rPr lang="zh-CN" altLang="en-US" dirty="0">
+                              <a:latin typeface="Microsoft YaHei" panose="020B0503020204020204" pitchFamily="34" charset="-122"/>
+                              <a:ea typeface="Microsoft YaHei" panose="020B0503020204020204" pitchFamily="34" charset="-122"/>
+                            </a:rPr>
+                            <m:t>评分项</m:t>
+                          </m:r>
+                          <m:r>
+                            <a:rPr lang="en-US" altLang="zh-CN" i="1" dirty="0">
+                              <a:latin typeface="Cambria Math" panose="02040503050406030204" pitchFamily="18" charset="0"/>
+                              <a:ea typeface="Cambria Math" panose="02040503050406030204" pitchFamily="18" charset="0"/>
+                            </a:rPr>
+                            <m:t>×</m:t>
+                          </m:r>
+                          <m:r>
+                            <m:rPr>
+                              <m:nor/>
+                            </m:rPr>
+                            <a:rPr lang="zh-CN" altLang="en-US" dirty="0">
+                              <a:latin typeface="Microsoft YaHei" panose="020B0503020204020204" pitchFamily="34" charset="-122"/>
+                              <a:ea typeface="Microsoft YaHei" panose="020B0503020204020204" pitchFamily="34" charset="-122"/>
+                            </a:rPr>
+                            <m:t>系数</m:t>
+                          </m:r>
+                          <m:r>
+                            <m:rPr>
+                              <m:nor/>
+                            </m:rPr>
+                            <a:rPr lang="zh-CN" altLang="en-US" b="0" i="0" dirty="0" smtClean="0">
+                              <a:latin typeface="Microsoft YaHei" panose="020B0503020204020204" pitchFamily="34" charset="-122"/>
+                              <a:ea typeface="Microsoft YaHei" panose="020B0503020204020204" pitchFamily="34" charset="-122"/>
+                            </a:rPr>
+                            <m:t>）</m:t>
+                          </m:r>
+                        </m:e>
+                      </m:nary>
+                    </m:oMath>
+                  </m:oMathPara>
+                </a14:m>
+                <a:endParaRPr lang="zh-CN" altLang="en-US" dirty="0"/>
+              </a:p>
+            </p:txBody>
+          </p:sp>
+        </mc:Choice>
+        <mc:Fallback>
+          <p:sp>
+            <p:nvSpPr>
+              <p:cNvPr id="15" name="矩形 14">
+                <a:extLst>
+                  <a:ext uri="{FF2B5EF4-FFF2-40B4-BE49-F238E27FC236}">
+                    <a16:creationId xmlns:a16="http://schemas.microsoft.com/office/drawing/2014/main" id="{F15F5D87-9248-A644-AD65-48B576494AA0}"/>
+                  </a:ext>
+                </a:extLst>
+              </p:cNvPr>
+              <p:cNvSpPr>
+                <a:spLocks noRot="1" noChangeAspect="1" noMove="1" noResize="1" noEditPoints="1" noAdjustHandles="1" noChangeArrowheads="1" noChangeShapeType="1" noTextEdit="1"/>
+              </p:cNvSpPr>
+              <p:nvPr/>
+            </p:nvSpPr>
+            <p:spPr>
+              <a:xfrm>
+                <a:off x="7725628" y="5165654"/>
+                <a:ext cx="3894849" cy="763029"/>
+              </a:xfrm>
+              <a:prstGeom prst="rect">
+                <a:avLst/>
+              </a:prstGeom>
+              <a:blipFill>
+                <a:blip r:embed="rId4"/>
+                <a:stretch>
+                  <a:fillRect l="-13312" t="-121311" b="-168852"/>
+                </a:stretch>
+              </a:blipFill>
+            </p:spPr>
+            <p:txBody>
+              <a:bodyPr/>
+              <a:lstStyle/>
+              <a:p>
+                <a:r>
+                  <a:rPr lang="zh-CN" altLang="en-US">
+                    <a:noFill/>
+                  </a:rPr>
+                  <a:t> </a:t>
+                </a:r>
+              </a:p>
+            </p:txBody>
+          </p:sp>
+        </mc:Fallback>
+      </mc:AlternateContent>
+      <p:sp>
+        <p:nvSpPr>
+          <p:cNvPr id="16" name="文本框 15">
+            <a:extLst>
+              <a:ext uri="{FF2B5EF4-FFF2-40B4-BE49-F238E27FC236}">
+                <a16:creationId xmlns:a16="http://schemas.microsoft.com/office/drawing/2014/main" id="{9E279581-C5B4-CB40-8F00-D141306112F8}"/>
+              </a:ext>
+            </a:extLst>
+          </p:cNvPr>
+          <p:cNvSpPr txBox="1"/>
+          <p:nvPr/>
+        </p:nvSpPr>
+        <p:spPr>
+          <a:xfrm>
+            <a:off x="8045178" y="5951463"/>
+            <a:ext cx="1939554" cy="369332"/>
+          </a:xfrm>
+          <a:prstGeom prst="rect">
+            <a:avLst/>
+          </a:prstGeom>
+          <a:noFill/>
+        </p:spPr>
+        <p:txBody>
+          <a:bodyPr wrap="square" rtlCol="0">
+            <a:spAutoFit/>
+          </a:bodyPr>
+          <a:lstStyle/>
+          <a:p>
+            <a:r>
+              <a:rPr kumimoji="1" lang="zh-CN" altLang="en-US" dirty="0">
+                <a:latin typeface="Microsoft YaHei" panose="020B0503020204020204" pitchFamily="34" charset="-122"/>
+                <a:ea typeface="Microsoft YaHei" panose="020B0503020204020204" pitchFamily="34" charset="-122"/>
+              </a:rPr>
+              <a:t>惩罚系数</a:t>
+            </a:r>
+          </a:p>
+        </p:txBody>
+      </p:sp>
+    </p:spTree>
+    <p:extLst>
+      <p:ext uri="{BB962C8B-B14F-4D97-AF65-F5344CB8AC3E}">
+        <p14:creationId xmlns:p14="http://schemas.microsoft.com/office/powerpoint/2010/main" val="1964457114"/>
+      </p:ext>
+    </p:extLst>
+  </p:cSld>
+  <p:clrMapOvr>
+    <a:masterClrMapping/>
+  </p:clrMapOvr>
+  <mc:AlternateContent xmlns:mc="http://schemas.openxmlformats.org/markup-compatibility/2006" xmlns:p14="http://schemas.microsoft.com/office/powerpoint/2010/main">
+    <mc:Choice Requires="p14">
+      <p:transition spd="slow" p14:dur="2000" advTm="3000"/>
+    </mc:Choice>
+    <mc:Fallback xmlns="">
+      <p:transition spd="slow" advTm="3000"/>
+    </mc:Fallback>
+  </mc:AlternateContent>
+</p:sld>
+</file>
+
+<file path=ppt/slides/slide19.xml><?xml version="1.0" encoding="utf-8"?>
 <p:sld xmlns:a="http://schemas.openxmlformats.org/drawingml/2006/main" xmlns:r="http://schemas.openxmlformats.org/officeDocument/2006/relationships" xmlns:p="http://schemas.openxmlformats.org/presentationml/2006/main">
   <p:cSld>
     <p:spTree>
@@ -26333,7 +29118,7 @@
           <a:graphicData uri="http://schemas.openxmlformats.org/presentationml/2006/ole">
             <mc:AlternateContent xmlns:mc="http://schemas.openxmlformats.org/markup-compatibility/2006">
               <mc:Choice xmlns:v="urn:schemas-microsoft-com:vml" Requires="v">
-                <p:oleObj spid="_x0000_s1031" r:id="rId4" imgW="6159500" imgH="4686300" progId="Visio.Drawing.15">
+                <p:oleObj spid="_x0000_s1059" r:id="rId4" imgW="6159500" imgH="4686300" progId="Visio.Drawing.15">
                   <p:embed/>
                 </p:oleObj>
               </mc:Choice>
@@ -26475,7 +29260,7 @@
           <a:graphicData uri="http://schemas.openxmlformats.org/presentationml/2006/ole">
             <mc:AlternateContent xmlns:mc="http://schemas.openxmlformats.org/markup-compatibility/2006">
               <mc:Choice xmlns:v="urn:schemas-microsoft-com:vml" Requires="v">
-                <p:oleObj spid="_x0000_s1032" r:id="rId6" imgW="6438900" imgH="8064500" progId="Visio.Drawing.15">
+                <p:oleObj spid="_x0000_s1060" r:id="rId6" imgW="6438900" imgH="8064500" progId="Visio.Drawing.15">
                   <p:embed/>
                 </p:oleObj>
               </mc:Choice>
@@ -28019,7 +30804,7 @@
           <p:nvPr>
             <p:extLst>
               <p:ext uri="{D42A27DB-BD31-4B8C-83A1-F6EECF244321}">
-                <p14:modId xmlns:p14="http://schemas.microsoft.com/office/powerpoint/2010/main" val="869813274"/>
+                <p14:modId xmlns:p14="http://schemas.microsoft.com/office/powerpoint/2010/main" val="3215678761"/>
               </p:ext>
             </p:extLst>
           </p:nvPr>
@@ -28032,7 +30817,7 @@
           <a:graphicData uri="http://schemas.openxmlformats.org/presentationml/2006/ole">
             <mc:AlternateContent xmlns:mc="http://schemas.openxmlformats.org/markup-compatibility/2006">
               <mc:Choice xmlns:v="urn:schemas-microsoft-com:vml" Requires="v">
-                <p:oleObj spid="_x0000_s3079" r:id="rId4" imgW="7099300" imgH="3416300" progId="Visio.Drawing.15">
+                <p:oleObj spid="_x0000_s3107" r:id="rId4" imgW="7099300" imgH="3416300" progId="Visio.Drawing.15">
                   <p:embed/>
                 </p:oleObj>
               </mc:Choice>
@@ -28161,7 +30946,7 @@
           <p:nvPr>
             <p:extLst>
               <p:ext uri="{D42A27DB-BD31-4B8C-83A1-F6EECF244321}">
-                <p14:modId xmlns:p14="http://schemas.microsoft.com/office/powerpoint/2010/main" val="2595076789"/>
+                <p14:modId xmlns:p14="http://schemas.microsoft.com/office/powerpoint/2010/main" val="258967080"/>
               </p:ext>
             </p:extLst>
           </p:nvPr>
@@ -28174,7 +30959,7 @@
           <a:graphicData uri="http://schemas.openxmlformats.org/presentationml/2006/ole">
             <mc:AlternateContent xmlns:mc="http://schemas.openxmlformats.org/markup-compatibility/2006">
               <mc:Choice xmlns:v="urn:schemas-microsoft-com:vml" Requires="v">
-                <p:oleObj spid="_x0000_s3080" r:id="rId6" imgW="4457700" imgH="3302000" progId="Visio.Drawing.15">
+                <p:oleObj spid="_x0000_s3108" r:id="rId6" imgW="4457700" imgH="3302000" progId="Visio.Drawing.15">
                   <p:embed/>
                 </p:oleObj>
               </mc:Choice>
